--- a/2020/docs/WG4.pptx
+++ b/2020/docs/WG4.pptx
@@ -8,7 +8,7 @@
     <p:notesMasterId r:id="rId14"/>
   </p:notesMasterIdLst>
   <p:sldIdLst>
-    <p:sldId id="472" r:id="rId2"/>
+    <p:sldId id="481" r:id="rId2"/>
     <p:sldId id="262" r:id="rId3"/>
     <p:sldId id="473" r:id="rId4"/>
     <p:sldId id="474" r:id="rId5"/>
@@ -219,7 +219,7 @@
           <a:p>
             <a:fld id="{7B710398-1696-4076-B9A0-28303D00D98E}" type="datetimeFigureOut">
               <a:rPr lang="zh-TW" altLang="en-US" smtClean="0"/>
-              <a:t>2020/7/17</a:t>
+              <a:t>2020/8/6</a:t>
             </a:fld>
             <a:endParaRPr lang="zh-TW" altLang="en-US"/>
           </a:p>
@@ -665,7 +665,7 @@
           <a:p>
             <a:fld id="{9BF6591B-D98A-48F5-A162-9AA136A235A3}" type="datetime1">
               <a:rPr lang="zh-TW" altLang="en-US" smtClean="0"/>
-              <a:t>2020/7/17</a:t>
+              <a:t>2020/8/6</a:t>
             </a:fld>
             <a:endParaRPr lang="zh-TW" altLang="en-US"/>
           </a:p>
@@ -837,7 +837,7 @@
           <a:p>
             <a:fld id="{3865A722-A004-48AD-A16C-D45B32EAE045}" type="datetime1">
               <a:rPr lang="zh-TW" altLang="en-US" smtClean="0"/>
-              <a:t>2020/7/17</a:t>
+              <a:t>2020/8/6</a:t>
             </a:fld>
             <a:endParaRPr lang="zh-TW" altLang="en-US"/>
           </a:p>
@@ -1019,7 +1019,7 @@
           <a:p>
             <a:fld id="{F66A7D59-7B98-4238-ABB0-B53C7F5E7CFB}" type="datetime1">
               <a:rPr lang="zh-TW" altLang="en-US" smtClean="0"/>
-              <a:t>2020/7/17</a:t>
+              <a:t>2020/8/6</a:t>
             </a:fld>
             <a:endParaRPr lang="zh-TW" altLang="en-US"/>
           </a:p>
@@ -1191,7 +1191,7 @@
           <a:p>
             <a:fld id="{593F50EB-A74D-487B-9D24-8098803E251B}" type="datetime1">
               <a:rPr lang="zh-TW" altLang="en-US" smtClean="0"/>
-              <a:t>2020/7/17</a:t>
+              <a:t>2020/8/6</a:t>
             </a:fld>
             <a:endParaRPr lang="zh-TW" altLang="en-US"/>
           </a:p>
@@ -1440,7 +1440,7 @@
           <a:p>
             <a:fld id="{C498834F-96D7-4E1D-A1B1-37D98C735E4E}" type="datetime1">
               <a:rPr lang="zh-TW" altLang="en-US" smtClean="0"/>
-              <a:t>2020/7/17</a:t>
+              <a:t>2020/8/6</a:t>
             </a:fld>
             <a:endParaRPr lang="zh-TW" altLang="en-US"/>
           </a:p>
@@ -1729,7 +1729,7 @@
           <a:p>
             <a:fld id="{81757CF4-917A-45D2-81C4-6B615E11D43C}" type="datetime1">
               <a:rPr lang="zh-TW" altLang="en-US" smtClean="0"/>
-              <a:t>2020/7/17</a:t>
+              <a:t>2020/8/6</a:t>
             </a:fld>
             <a:endParaRPr lang="zh-TW" altLang="en-US"/>
           </a:p>
@@ -2152,7 +2152,7 @@
           <a:p>
             <a:fld id="{E7B084E5-AE58-4DCA-A76E-A49C9BC498E9}" type="datetime1">
               <a:rPr lang="zh-TW" altLang="en-US" smtClean="0"/>
-              <a:t>2020/7/17</a:t>
+              <a:t>2020/8/6</a:t>
             </a:fld>
             <a:endParaRPr lang="zh-TW" altLang="en-US"/>
           </a:p>
@@ -2273,7 +2273,7 @@
           <a:p>
             <a:fld id="{170943BD-91B9-475A-85CE-05219BF59C4A}" type="datetime1">
               <a:rPr lang="zh-TW" altLang="en-US" smtClean="0"/>
-              <a:t>2020/7/17</a:t>
+              <a:t>2020/8/6</a:t>
             </a:fld>
             <a:endParaRPr lang="zh-TW" altLang="en-US"/>
           </a:p>
@@ -2372,7 +2372,7 @@
           <a:p>
             <a:fld id="{8951283A-D9FC-40D0-A633-17D1C36A5A0D}" type="datetime1">
               <a:rPr lang="zh-TW" altLang="en-US" smtClean="0"/>
-              <a:t>2020/7/17</a:t>
+              <a:t>2020/8/6</a:t>
             </a:fld>
             <a:endParaRPr lang="zh-TW" altLang="en-US"/>
           </a:p>
@@ -2651,7 +2651,7 @@
           <a:p>
             <a:fld id="{FBB7CF22-6571-4D34-AF22-086A8C0A61EC}" type="datetime1">
               <a:rPr lang="zh-TW" altLang="en-US" smtClean="0"/>
-              <a:t>2020/7/17</a:t>
+              <a:t>2020/8/6</a:t>
             </a:fld>
             <a:endParaRPr lang="zh-TW" altLang="en-US"/>
           </a:p>
@@ -2907,7 +2907,7 @@
           <a:p>
             <a:fld id="{90F1C325-5C5E-4902-87C2-7030CD861FE7}" type="datetime1">
               <a:rPr lang="zh-TW" altLang="en-US" smtClean="0"/>
-              <a:t>2020/7/17</a:t>
+              <a:t>2020/8/6</a:t>
             </a:fld>
             <a:endParaRPr lang="zh-TW" altLang="en-US"/>
           </a:p>
@@ -3122,7 +3122,7 @@
           <a:p>
             <a:fld id="{13436F87-4558-400C-868C-3B0E7778C0E3}" type="datetime1">
               <a:rPr lang="zh-TW" altLang="en-US" smtClean="0"/>
-              <a:t>2020/7/17</a:t>
+              <a:t>2020/8/6</a:t>
             </a:fld>
             <a:endParaRPr lang="zh-TW" altLang="en-US"/>
           </a:p>
@@ -3580,18 +3580,664 @@
           <a:bodyPr/>
           <a:lstStyle/>
           <a:p>
+            <a:pPr marL="0" marR="0" lvl="0" indent="0" algn="r" defTabSz="914400" rtl="0" eaLnBrk="1" fontAlgn="auto" latinLnBrk="0" hangingPunct="1">
+              <a:lnSpc>
+                <a:spcPct val="100000"/>
+              </a:lnSpc>
+              <a:spcBef>
+                <a:spcPts val="0"/>
+              </a:spcBef>
+              <a:spcAft>
+                <a:spcPts val="0"/>
+              </a:spcAft>
+              <a:buClrTx/>
+              <a:buSzTx/>
+              <a:buFontTx/>
+              <a:buNone/>
+              <a:tabLst/>
+              <a:defRPr/>
+            </a:pPr>
             <a:fld id="{EC278544-917A-4F56-8732-81D7A26640D0}" type="slidenum">
-              <a:rPr lang="zh-TW" altLang="en-US" smtClean="0"/>
+              <a:rPr kumimoji="0" lang="zh-TW" altLang="en-US" sz="1200" b="0" i="0" u="none" strike="noStrike" kern="1200" cap="none" spc="0" normalizeH="0" baseline="0" noProof="0" smtClean="0">
+                <a:ln>
+                  <a:noFill/>
+                </a:ln>
+                <a:solidFill>
+                  <a:prstClr val="black">
+                    <a:tint val="75000"/>
+                  </a:prstClr>
+                </a:solidFill>
+                <a:effectLst/>
+                <a:uLnTx/>
+                <a:uFillTx/>
+                <a:latin typeface="Calibri"/>
+                <a:ea typeface="新細明體" panose="02020500000000000000" pitchFamily="18" charset="-120"/>
+                <a:cs typeface="+mn-cs"/>
+              </a:rPr>
+              <a:pPr marL="0" marR="0" lvl="0" indent="0" algn="r" defTabSz="914400" rtl="0" eaLnBrk="1" fontAlgn="auto" latinLnBrk="0" hangingPunct="1">
+                <a:lnSpc>
+                  <a:spcPct val="100000"/>
+                </a:lnSpc>
+                <a:spcBef>
+                  <a:spcPts val="0"/>
+                </a:spcBef>
+                <a:spcAft>
+                  <a:spcPts val="0"/>
+                </a:spcAft>
+                <a:buClrTx/>
+                <a:buSzTx/>
+                <a:buFontTx/>
+                <a:buNone/>
+                <a:tabLst/>
+                <a:defRPr/>
+              </a:pPr>
               <a:t>1</a:t>
             </a:fld>
-            <a:endParaRPr lang="zh-TW" altLang="en-US"/>
+            <a:endParaRPr kumimoji="0" lang="zh-TW" altLang="en-US" sz="1200" b="0" i="0" u="none" strike="noStrike" kern="1200" cap="none" spc="0" normalizeH="0" baseline="0" noProof="0">
+              <a:ln>
+                <a:noFill/>
+              </a:ln>
+              <a:solidFill>
+                <a:prstClr val="black">
+                  <a:tint val="75000"/>
+                </a:prstClr>
+              </a:solidFill>
+              <a:effectLst/>
+              <a:uLnTx/>
+              <a:uFillTx/>
+              <a:latin typeface="Calibri"/>
+              <a:ea typeface="新細明體" panose="02020500000000000000" pitchFamily="18" charset="-120"/>
+              <a:cs typeface="+mn-cs"/>
+            </a:endParaRPr>
+          </a:p>
+        </p:txBody>
+      </p:sp>
+      <p:sp>
+        <p:nvSpPr>
+          <p:cNvPr id="4" name="副標題 4">
+            <a:extLst>
+              <a:ext uri="{FF2B5EF4-FFF2-40B4-BE49-F238E27FC236}">
+                <a16:creationId xmlns:a16="http://schemas.microsoft.com/office/drawing/2014/main" id="{223E4A97-A085-49A8-845C-15DEC1290376}"/>
+              </a:ext>
+            </a:extLst>
+          </p:cNvPr>
+          <p:cNvSpPr>
+            <a:spLocks noGrp="1"/>
+          </p:cNvSpPr>
+          <p:nvPr>
+            <p:ph type="subTitle" idx="1"/>
+          </p:nvPr>
+        </p:nvSpPr>
+        <p:spPr>
+          <a:xfrm>
+            <a:off x="1143117" y="3689267"/>
+            <a:ext cx="6858000" cy="603828"/>
+          </a:xfrm>
+        </p:spPr>
+        <p:txBody>
+          <a:bodyPr>
+            <a:normAutofit/>
+          </a:bodyPr>
+          <a:lstStyle/>
+          <a:p>
+            <a:r>
+              <a:rPr lang="zh-TW" altLang="en-US" sz="3200" dirty="0">
+                <a:latin typeface="Times New Roman" panose="02020603050405020304" pitchFamily="18" charset="0"/>
+                <a:ea typeface="標楷體" panose="03000509000000000000" pitchFamily="65" charset="-120"/>
+                <a:cs typeface="Times New Roman" panose="02020603050405020304" pitchFamily="18" charset="0"/>
+              </a:rPr>
+              <a:t>連中岳</a:t>
+            </a:r>
+            <a:endParaRPr lang="en-US" altLang="zh-TW" sz="3200" dirty="0">
+              <a:latin typeface="Times New Roman" panose="02020603050405020304" pitchFamily="18" charset="0"/>
+              <a:ea typeface="標楷體" panose="03000509000000000000" pitchFamily="65" charset="-120"/>
+              <a:cs typeface="Times New Roman" panose="02020603050405020304" pitchFamily="18" charset="0"/>
+            </a:endParaRPr>
+          </a:p>
+          <a:p>
+            <a:endParaRPr lang="zh-TW" altLang="en-US" dirty="0">
+              <a:latin typeface="Times New Roman" panose="02020603050405020304" pitchFamily="18" charset="0"/>
+              <a:ea typeface="標楷體" panose="03000509000000000000" pitchFamily="65" charset="-120"/>
+              <a:cs typeface="Times New Roman" panose="02020603050405020304" pitchFamily="18" charset="0"/>
+            </a:endParaRPr>
+          </a:p>
+        </p:txBody>
+      </p:sp>
+      <p:sp>
+        <p:nvSpPr>
+          <p:cNvPr id="5" name="副標題 2">
+            <a:extLst>
+              <a:ext uri="{FF2B5EF4-FFF2-40B4-BE49-F238E27FC236}">
+                <a16:creationId xmlns:a16="http://schemas.microsoft.com/office/drawing/2014/main" id="{510A3F88-069E-4B87-8469-CF95ED2EA9FC}"/>
+              </a:ext>
+            </a:extLst>
+          </p:cNvPr>
+          <p:cNvSpPr txBox="1">
+            <a:spLocks/>
+          </p:cNvSpPr>
+          <p:nvPr/>
+        </p:nvSpPr>
+        <p:spPr>
+          <a:xfrm>
+            <a:off x="413819" y="4293096"/>
+            <a:ext cx="8044498" cy="1319754"/>
+          </a:xfrm>
+          <a:prstGeom prst="rect">
+            <a:avLst/>
+          </a:prstGeom>
+        </p:spPr>
+        <p:txBody>
+          <a:bodyPr vert="horz" lIns="91440" tIns="45720" rIns="91440" bIns="45720" rtlCol="0">
+            <a:normAutofit/>
+          </a:bodyPr>
+          <a:lstStyle>
+            <a:lvl1pPr marL="0" indent="0" algn="ctr" defTabSz="914400" rtl="0" eaLnBrk="1" latinLnBrk="0" hangingPunct="1">
+              <a:lnSpc>
+                <a:spcPct val="90000"/>
+              </a:lnSpc>
+              <a:spcBef>
+                <a:spcPts val="1000"/>
+              </a:spcBef>
+              <a:buFont typeface="Arial" panose="020B0604020202020204" pitchFamily="34" charset="0"/>
+              <a:buNone/>
+              <a:defRPr sz="2400" kern="1200">
+                <a:solidFill>
+                  <a:schemeClr val="tx1"/>
+                </a:solidFill>
+                <a:latin typeface="+mn-lt"/>
+                <a:ea typeface="+mn-ea"/>
+                <a:cs typeface="+mn-cs"/>
+              </a:defRPr>
+            </a:lvl1pPr>
+            <a:lvl2pPr marL="457200" indent="0" algn="ctr" defTabSz="914400" rtl="0" eaLnBrk="1" latinLnBrk="0" hangingPunct="1">
+              <a:lnSpc>
+                <a:spcPct val="90000"/>
+              </a:lnSpc>
+              <a:spcBef>
+                <a:spcPts val="500"/>
+              </a:spcBef>
+              <a:buFont typeface="Arial" panose="020B0604020202020204" pitchFamily="34" charset="0"/>
+              <a:buNone/>
+              <a:defRPr sz="2000" kern="1200">
+                <a:solidFill>
+                  <a:schemeClr val="tx1"/>
+                </a:solidFill>
+                <a:latin typeface="+mn-lt"/>
+                <a:ea typeface="+mn-ea"/>
+                <a:cs typeface="+mn-cs"/>
+              </a:defRPr>
+            </a:lvl2pPr>
+            <a:lvl3pPr marL="914400" indent="0" algn="ctr" defTabSz="914400" rtl="0" eaLnBrk="1" latinLnBrk="0" hangingPunct="1">
+              <a:lnSpc>
+                <a:spcPct val="90000"/>
+              </a:lnSpc>
+              <a:spcBef>
+                <a:spcPts val="500"/>
+              </a:spcBef>
+              <a:buFont typeface="Arial" panose="020B0604020202020204" pitchFamily="34" charset="0"/>
+              <a:buNone/>
+              <a:defRPr sz="1800" kern="1200">
+                <a:solidFill>
+                  <a:schemeClr val="tx1"/>
+                </a:solidFill>
+                <a:latin typeface="+mn-lt"/>
+                <a:ea typeface="+mn-ea"/>
+                <a:cs typeface="+mn-cs"/>
+              </a:defRPr>
+            </a:lvl3pPr>
+            <a:lvl4pPr marL="1371600" indent="0" algn="ctr" defTabSz="914400" rtl="0" eaLnBrk="1" latinLnBrk="0" hangingPunct="1">
+              <a:lnSpc>
+                <a:spcPct val="90000"/>
+              </a:lnSpc>
+              <a:spcBef>
+                <a:spcPts val="500"/>
+              </a:spcBef>
+              <a:buFont typeface="Arial" panose="020B0604020202020204" pitchFamily="34" charset="0"/>
+              <a:buNone/>
+              <a:defRPr sz="1600" kern="1200">
+                <a:solidFill>
+                  <a:schemeClr val="tx1"/>
+                </a:solidFill>
+                <a:latin typeface="+mn-lt"/>
+                <a:ea typeface="+mn-ea"/>
+                <a:cs typeface="+mn-cs"/>
+              </a:defRPr>
+            </a:lvl4pPr>
+            <a:lvl5pPr marL="1828800" indent="0" algn="ctr" defTabSz="914400" rtl="0" eaLnBrk="1" latinLnBrk="0" hangingPunct="1">
+              <a:lnSpc>
+                <a:spcPct val="90000"/>
+              </a:lnSpc>
+              <a:spcBef>
+                <a:spcPts val="500"/>
+              </a:spcBef>
+              <a:buFont typeface="Arial" panose="020B0604020202020204" pitchFamily="34" charset="0"/>
+              <a:buNone/>
+              <a:defRPr sz="1600" kern="1200">
+                <a:solidFill>
+                  <a:schemeClr val="tx1"/>
+                </a:solidFill>
+                <a:latin typeface="+mn-lt"/>
+                <a:ea typeface="+mn-ea"/>
+                <a:cs typeface="+mn-cs"/>
+              </a:defRPr>
+            </a:lvl5pPr>
+            <a:lvl6pPr marL="2286000" indent="0" algn="ctr" defTabSz="914400" rtl="0" eaLnBrk="1" latinLnBrk="0" hangingPunct="1">
+              <a:lnSpc>
+                <a:spcPct val="90000"/>
+              </a:lnSpc>
+              <a:spcBef>
+                <a:spcPts val="500"/>
+              </a:spcBef>
+              <a:buFont typeface="Arial" panose="020B0604020202020204" pitchFamily="34" charset="0"/>
+              <a:buNone/>
+              <a:defRPr sz="1600" kern="1200">
+                <a:solidFill>
+                  <a:schemeClr val="tx1"/>
+                </a:solidFill>
+                <a:latin typeface="+mn-lt"/>
+                <a:ea typeface="+mn-ea"/>
+                <a:cs typeface="+mn-cs"/>
+              </a:defRPr>
+            </a:lvl6pPr>
+            <a:lvl7pPr marL="2743200" indent="0" algn="ctr" defTabSz="914400" rtl="0" eaLnBrk="1" latinLnBrk="0" hangingPunct="1">
+              <a:lnSpc>
+                <a:spcPct val="90000"/>
+              </a:lnSpc>
+              <a:spcBef>
+                <a:spcPts val="500"/>
+              </a:spcBef>
+              <a:buFont typeface="Arial" panose="020B0604020202020204" pitchFamily="34" charset="0"/>
+              <a:buNone/>
+              <a:defRPr sz="1600" kern="1200">
+                <a:solidFill>
+                  <a:schemeClr val="tx1"/>
+                </a:solidFill>
+                <a:latin typeface="+mn-lt"/>
+                <a:ea typeface="+mn-ea"/>
+                <a:cs typeface="+mn-cs"/>
+              </a:defRPr>
+            </a:lvl7pPr>
+            <a:lvl8pPr marL="3200400" indent="0" algn="ctr" defTabSz="914400" rtl="0" eaLnBrk="1" latinLnBrk="0" hangingPunct="1">
+              <a:lnSpc>
+                <a:spcPct val="90000"/>
+              </a:lnSpc>
+              <a:spcBef>
+                <a:spcPts val="500"/>
+              </a:spcBef>
+              <a:buFont typeface="Arial" panose="020B0604020202020204" pitchFamily="34" charset="0"/>
+              <a:buNone/>
+              <a:defRPr sz="1600" kern="1200">
+                <a:solidFill>
+                  <a:schemeClr val="tx1"/>
+                </a:solidFill>
+                <a:latin typeface="+mn-lt"/>
+                <a:ea typeface="+mn-ea"/>
+                <a:cs typeface="+mn-cs"/>
+              </a:defRPr>
+            </a:lvl8pPr>
+            <a:lvl9pPr marL="3657600" indent="0" algn="ctr" defTabSz="914400" rtl="0" eaLnBrk="1" latinLnBrk="0" hangingPunct="1">
+              <a:lnSpc>
+                <a:spcPct val="90000"/>
+              </a:lnSpc>
+              <a:spcBef>
+                <a:spcPts val="500"/>
+              </a:spcBef>
+              <a:buFont typeface="Arial" panose="020B0604020202020204" pitchFamily="34" charset="0"/>
+              <a:buNone/>
+              <a:defRPr sz="1600" kern="1200">
+                <a:solidFill>
+                  <a:schemeClr val="tx1"/>
+                </a:solidFill>
+                <a:latin typeface="+mn-lt"/>
+                <a:ea typeface="+mn-ea"/>
+                <a:cs typeface="+mn-cs"/>
+              </a:defRPr>
+            </a:lvl9pPr>
+          </a:lstStyle>
+          <a:p>
+            <a:pPr marL="0" marR="0" lvl="0" indent="0" algn="ctr" defTabSz="914400" rtl="0" eaLnBrk="1" fontAlgn="auto" latinLnBrk="0" hangingPunct="1">
+              <a:lnSpc>
+                <a:spcPct val="90000"/>
+              </a:lnSpc>
+              <a:spcBef>
+                <a:spcPts val="1000"/>
+              </a:spcBef>
+              <a:spcAft>
+                <a:spcPts val="0"/>
+              </a:spcAft>
+              <a:buClrTx/>
+              <a:buSzTx/>
+              <a:buFont typeface="Arial" panose="020B0604020202020204" pitchFamily="34" charset="0"/>
+              <a:buNone/>
+              <a:tabLst/>
+              <a:defRPr/>
+            </a:pPr>
+            <a:r>
+              <a:rPr kumimoji="0" lang="zh-TW" altLang="en-US" sz="2100" b="0" i="0" u="none" strike="noStrike" kern="1200" cap="none" spc="0" normalizeH="0" baseline="0" noProof="0" dirty="0">
+                <a:ln>
+                  <a:noFill/>
+                </a:ln>
+                <a:solidFill>
+                  <a:prstClr val="black"/>
+                </a:solidFill>
+                <a:effectLst/>
+                <a:uLnTx/>
+                <a:uFillTx/>
+                <a:latin typeface="Times New Roman" panose="02020603050405020304" pitchFamily="18" charset="0"/>
+                <a:ea typeface="標楷體" panose="03000509000000000000" pitchFamily="65" charset="-120"/>
+                <a:cs typeface="Times New Roman" panose="02020603050405020304" pitchFamily="18" charset="0"/>
+              </a:rPr>
+              <a:t>台北護理健康大學資訊管理系 </a:t>
+            </a:r>
+            <a:r>
+              <a:rPr kumimoji="0" lang="en-US" altLang="zh-TW" sz="2100" b="0" i="0" u="none" strike="noStrike" kern="1200" cap="none" spc="0" normalizeH="0" baseline="0" noProof="0" dirty="0">
+                <a:ln>
+                  <a:noFill/>
+                </a:ln>
+                <a:solidFill>
+                  <a:prstClr val="black"/>
+                </a:solidFill>
+                <a:effectLst/>
+                <a:uLnTx/>
+                <a:uFillTx/>
+                <a:latin typeface="Times New Roman" panose="02020603050405020304" pitchFamily="18" charset="0"/>
+                <a:ea typeface="標楷體" panose="03000509000000000000" pitchFamily="65" charset="-120"/>
+                <a:cs typeface="Times New Roman" panose="02020603050405020304" pitchFamily="18" charset="0"/>
+              </a:rPr>
+              <a:t>-</a:t>
+            </a:r>
+            <a:r>
+              <a:rPr kumimoji="0" lang="zh-TW" altLang="en-US" sz="2100" b="0" i="0" u="none" strike="noStrike" kern="1200" cap="none" spc="0" normalizeH="0" baseline="0" noProof="0" dirty="0">
+                <a:ln>
+                  <a:noFill/>
+                </a:ln>
+                <a:solidFill>
+                  <a:prstClr val="black"/>
+                </a:solidFill>
+                <a:effectLst/>
+                <a:uLnTx/>
+                <a:uFillTx/>
+                <a:latin typeface="Times New Roman" panose="02020603050405020304" pitchFamily="18" charset="0"/>
+                <a:ea typeface="標楷體" panose="03000509000000000000" pitchFamily="65" charset="-120"/>
+                <a:cs typeface="Times New Roman" panose="02020603050405020304" pitchFamily="18" charset="0"/>
+              </a:rPr>
+              <a:t> 助理教授</a:t>
+            </a:r>
+            <a:endParaRPr kumimoji="0" lang="en-US" altLang="zh-TW" sz="2100" b="0" i="0" u="none" strike="noStrike" kern="1200" cap="none" spc="0" normalizeH="0" baseline="0" noProof="0" dirty="0">
+              <a:ln>
+                <a:noFill/>
+              </a:ln>
+              <a:solidFill>
+                <a:prstClr val="black"/>
+              </a:solidFill>
+              <a:effectLst/>
+              <a:uLnTx/>
+              <a:uFillTx/>
+              <a:latin typeface="Times New Roman" panose="02020603050405020304" pitchFamily="18" charset="0"/>
+              <a:ea typeface="標楷體" panose="03000509000000000000" pitchFamily="65" charset="-120"/>
+              <a:cs typeface="Times New Roman" panose="02020603050405020304" pitchFamily="18" charset="0"/>
+            </a:endParaRPr>
+          </a:p>
+          <a:p>
+            <a:pPr marL="0" marR="0" lvl="0" indent="0" algn="ctr" defTabSz="914400" rtl="0" eaLnBrk="1" fontAlgn="auto" latinLnBrk="0" hangingPunct="1">
+              <a:lnSpc>
+                <a:spcPct val="90000"/>
+              </a:lnSpc>
+              <a:spcBef>
+                <a:spcPts val="1000"/>
+              </a:spcBef>
+              <a:spcAft>
+                <a:spcPts val="0"/>
+              </a:spcAft>
+              <a:buClrTx/>
+              <a:buSzTx/>
+              <a:buFont typeface="Arial" panose="020B0604020202020204" pitchFamily="34" charset="0"/>
+              <a:buNone/>
+              <a:tabLst/>
+              <a:defRPr/>
+            </a:pPr>
+            <a:r>
+              <a:rPr kumimoji="0" lang="zh-TW" altLang="en-US" sz="2100" b="0" i="0" u="none" strike="noStrike" kern="1200" cap="none" spc="0" normalizeH="0" baseline="0" noProof="0" dirty="0">
+                <a:ln>
+                  <a:noFill/>
+                </a:ln>
+                <a:solidFill>
+                  <a:prstClr val="black"/>
+                </a:solidFill>
+                <a:effectLst/>
+                <a:uLnTx/>
+                <a:uFillTx/>
+                <a:latin typeface="Times New Roman" panose="02020603050405020304" pitchFamily="18" charset="0"/>
+                <a:ea typeface="標楷體" panose="03000509000000000000" pitchFamily="65" charset="-120"/>
+                <a:cs typeface="Times New Roman" panose="02020603050405020304" pitchFamily="18" charset="0"/>
+              </a:rPr>
+              <a:t>台灣醫療影像資訊標準協會 </a:t>
+            </a:r>
+            <a:r>
+              <a:rPr kumimoji="0" lang="en-US" altLang="zh-TW" sz="2100" b="0" i="0" u="none" strike="noStrike" kern="1200" cap="none" spc="0" normalizeH="0" baseline="0" noProof="0" dirty="0">
+                <a:ln>
+                  <a:noFill/>
+                </a:ln>
+                <a:solidFill>
+                  <a:prstClr val="black"/>
+                </a:solidFill>
+                <a:effectLst/>
+                <a:uLnTx/>
+                <a:uFillTx/>
+                <a:latin typeface="Times New Roman" panose="02020603050405020304" pitchFamily="18" charset="0"/>
+                <a:ea typeface="標楷體" panose="03000509000000000000" pitchFamily="65" charset="-120"/>
+                <a:cs typeface="Times New Roman" panose="02020603050405020304" pitchFamily="18" charset="0"/>
+              </a:rPr>
+              <a:t>- </a:t>
+            </a:r>
+            <a:r>
+              <a:rPr kumimoji="0" lang="zh-TW" altLang="en-US" sz="2100" b="0" i="0" u="none" strike="noStrike" kern="1200" cap="none" spc="0" normalizeH="0" baseline="0" noProof="0" dirty="0">
+                <a:ln>
+                  <a:noFill/>
+                </a:ln>
+                <a:solidFill>
+                  <a:prstClr val="black"/>
+                </a:solidFill>
+                <a:effectLst/>
+                <a:uLnTx/>
+                <a:uFillTx/>
+                <a:latin typeface="Times New Roman" panose="02020603050405020304" pitchFamily="18" charset="0"/>
+                <a:ea typeface="標楷體" panose="03000509000000000000" pitchFamily="65" charset="-120"/>
+                <a:cs typeface="Times New Roman" panose="02020603050405020304" pitchFamily="18" charset="0"/>
+              </a:rPr>
+              <a:t>秘書長</a:t>
+            </a:r>
+            <a:endParaRPr kumimoji="0" lang="en-US" altLang="zh-TW" sz="2100" b="0" i="0" u="none" strike="noStrike" kern="1200" cap="none" spc="0" normalizeH="0" baseline="0" noProof="0" dirty="0">
+              <a:ln>
+                <a:noFill/>
+              </a:ln>
+              <a:solidFill>
+                <a:prstClr val="black"/>
+              </a:solidFill>
+              <a:effectLst/>
+              <a:uLnTx/>
+              <a:uFillTx/>
+              <a:latin typeface="Times New Roman" panose="02020603050405020304" pitchFamily="18" charset="0"/>
+              <a:ea typeface="標楷體" panose="03000509000000000000" pitchFamily="65" charset="-120"/>
+              <a:cs typeface="Times New Roman" panose="02020603050405020304" pitchFamily="18" charset="0"/>
+            </a:endParaRPr>
+          </a:p>
+          <a:p>
+            <a:pPr marL="0" marR="0" lvl="0" indent="0" algn="ctr" defTabSz="914400" rtl="0" eaLnBrk="1" fontAlgn="auto" latinLnBrk="0" hangingPunct="1">
+              <a:lnSpc>
+                <a:spcPct val="90000"/>
+              </a:lnSpc>
+              <a:spcBef>
+                <a:spcPts val="1000"/>
+              </a:spcBef>
+              <a:spcAft>
+                <a:spcPts val="0"/>
+              </a:spcAft>
+              <a:buClrTx/>
+              <a:buSzTx/>
+              <a:buFont typeface="Arial" panose="020B0604020202020204" pitchFamily="34" charset="0"/>
+              <a:buNone/>
+              <a:tabLst/>
+              <a:defRPr/>
+            </a:pPr>
+            <a:r>
+              <a:rPr kumimoji="0" lang="zh-TW" altLang="en-US" sz="2100" b="0" i="0" u="none" strike="noStrike" kern="1200" cap="none" spc="0" normalizeH="0" baseline="0" noProof="0" dirty="0">
+                <a:ln>
+                  <a:noFill/>
+                </a:ln>
+                <a:solidFill>
+                  <a:prstClr val="black"/>
+                </a:solidFill>
+                <a:effectLst/>
+                <a:uLnTx/>
+                <a:uFillTx/>
+                <a:latin typeface="Times New Roman" panose="02020603050405020304" pitchFamily="18" charset="0"/>
+                <a:ea typeface="標楷體" panose="03000509000000000000" pitchFamily="65" charset="-120"/>
+                <a:cs typeface="Times New Roman" panose="02020603050405020304" pitchFamily="18" charset="0"/>
+              </a:rPr>
+              <a:t>國際</a:t>
+            </a:r>
+            <a:r>
+              <a:rPr kumimoji="0" lang="en-US" altLang="zh-TW" sz="2100" b="0" i="0" u="none" strike="noStrike" kern="1200" cap="none" spc="0" normalizeH="0" baseline="0" noProof="0" dirty="0">
+                <a:ln>
+                  <a:noFill/>
+                </a:ln>
+                <a:solidFill>
+                  <a:prstClr val="black"/>
+                </a:solidFill>
+                <a:effectLst/>
+                <a:uLnTx/>
+                <a:uFillTx/>
+                <a:latin typeface="Times New Roman" panose="02020603050405020304" pitchFamily="18" charset="0"/>
+                <a:ea typeface="標楷體" panose="03000509000000000000" pitchFamily="65" charset="-120"/>
+                <a:cs typeface="Times New Roman" panose="02020603050405020304" pitchFamily="18" charset="0"/>
+              </a:rPr>
+              <a:t>DICOM</a:t>
+            </a:r>
+            <a:r>
+              <a:rPr kumimoji="0" lang="zh-TW" altLang="en-US" sz="2100" b="0" i="0" u="none" strike="noStrike" kern="1200" cap="none" spc="0" normalizeH="0" baseline="0" noProof="0" dirty="0">
+                <a:ln>
+                  <a:noFill/>
+                </a:ln>
+                <a:solidFill>
+                  <a:prstClr val="black"/>
+                </a:solidFill>
+                <a:effectLst/>
+                <a:uLnTx/>
+                <a:uFillTx/>
+                <a:latin typeface="Times New Roman" panose="02020603050405020304" pitchFamily="18" charset="0"/>
+                <a:ea typeface="標楷體" panose="03000509000000000000" pitchFamily="65" charset="-120"/>
+                <a:cs typeface="Times New Roman" panose="02020603050405020304" pitchFamily="18" charset="0"/>
+              </a:rPr>
+              <a:t>協會 </a:t>
+            </a:r>
+            <a:r>
+              <a:rPr kumimoji="0" lang="en-US" altLang="zh-TW" sz="2100" b="0" i="0" u="none" strike="noStrike" kern="1200" cap="none" spc="0" normalizeH="0" baseline="0" noProof="0" dirty="0">
+                <a:ln>
+                  <a:noFill/>
+                </a:ln>
+                <a:solidFill>
+                  <a:prstClr val="black"/>
+                </a:solidFill>
+                <a:effectLst/>
+                <a:uLnTx/>
+                <a:uFillTx/>
+                <a:latin typeface="Times New Roman" panose="02020603050405020304" pitchFamily="18" charset="0"/>
+                <a:ea typeface="標楷體" panose="03000509000000000000" pitchFamily="65" charset="-120"/>
+                <a:cs typeface="Times New Roman" panose="02020603050405020304" pitchFamily="18" charset="0"/>
+              </a:rPr>
+              <a:t>- </a:t>
+            </a:r>
+            <a:r>
+              <a:rPr kumimoji="0" lang="zh-TW" altLang="en-US" sz="2100" b="0" i="0" u="none" strike="noStrike" kern="1200" cap="none" spc="0" normalizeH="0" baseline="0" noProof="0" dirty="0">
+                <a:ln>
+                  <a:noFill/>
+                </a:ln>
+                <a:solidFill>
+                  <a:prstClr val="black"/>
+                </a:solidFill>
+                <a:effectLst/>
+                <a:uLnTx/>
+                <a:uFillTx/>
+                <a:latin typeface="Times New Roman" panose="02020603050405020304" pitchFamily="18" charset="0"/>
+                <a:ea typeface="標楷體" panose="03000509000000000000" pitchFamily="65" charset="-120"/>
+                <a:cs typeface="Times New Roman" panose="02020603050405020304" pitchFamily="18" charset="0"/>
+              </a:rPr>
+              <a:t>標準委員</a:t>
+            </a:r>
+          </a:p>
+          <a:p>
+            <a:pPr marL="0" marR="0" lvl="0" indent="0" algn="ctr" defTabSz="914400" rtl="0" eaLnBrk="1" fontAlgn="auto" latinLnBrk="0" hangingPunct="1">
+              <a:lnSpc>
+                <a:spcPct val="90000"/>
+              </a:lnSpc>
+              <a:spcBef>
+                <a:spcPts val="1000"/>
+              </a:spcBef>
+              <a:spcAft>
+                <a:spcPts val="0"/>
+              </a:spcAft>
+              <a:buClrTx/>
+              <a:buSzTx/>
+              <a:buFont typeface="Arial" panose="020B0604020202020204" pitchFamily="34" charset="0"/>
+              <a:buNone/>
+              <a:tabLst/>
+              <a:defRPr/>
+            </a:pPr>
+            <a:endParaRPr kumimoji="0" lang="en-US" altLang="zh-TW" sz="2000" b="0" i="0" u="none" strike="noStrike" kern="1200" cap="none" spc="0" normalizeH="0" baseline="0" noProof="0" dirty="0">
+              <a:ln>
+                <a:noFill/>
+              </a:ln>
+              <a:solidFill>
+                <a:prstClr val="black"/>
+              </a:solidFill>
+              <a:effectLst/>
+              <a:uLnTx/>
+              <a:uFillTx/>
+              <a:latin typeface="Times New Roman" panose="02020603050405020304" pitchFamily="18" charset="0"/>
+              <a:ea typeface="標楷體" panose="03000509000000000000" pitchFamily="65" charset="-120"/>
+              <a:cs typeface="Times New Roman" panose="02020603050405020304" pitchFamily="18" charset="0"/>
+            </a:endParaRPr>
+          </a:p>
+          <a:p>
+            <a:pPr marL="0" marR="0" lvl="0" indent="0" algn="ctr" defTabSz="914400" rtl="0" eaLnBrk="1" fontAlgn="auto" latinLnBrk="0" hangingPunct="1">
+              <a:lnSpc>
+                <a:spcPct val="90000"/>
+              </a:lnSpc>
+              <a:spcBef>
+                <a:spcPts val="1000"/>
+              </a:spcBef>
+              <a:spcAft>
+                <a:spcPts val="0"/>
+              </a:spcAft>
+              <a:buClrTx/>
+              <a:buSzTx/>
+              <a:buFont typeface="Arial" panose="020B0604020202020204" pitchFamily="34" charset="0"/>
+              <a:buNone/>
+              <a:tabLst/>
+              <a:defRPr/>
+            </a:pPr>
+            <a:endParaRPr kumimoji="0" lang="en-US" altLang="zh-TW" sz="2000" b="0" i="0" u="none" strike="noStrike" kern="1200" cap="none" spc="0" normalizeH="0" baseline="0" noProof="0" dirty="0">
+              <a:ln>
+                <a:noFill/>
+              </a:ln>
+              <a:solidFill>
+                <a:prstClr val="black"/>
+              </a:solidFill>
+              <a:effectLst/>
+              <a:uLnTx/>
+              <a:uFillTx/>
+              <a:latin typeface="Times New Roman" panose="02020603050405020304" pitchFamily="18" charset="0"/>
+              <a:ea typeface="標楷體" panose="03000509000000000000" pitchFamily="65" charset="-120"/>
+              <a:cs typeface="Times New Roman" panose="02020603050405020304" pitchFamily="18" charset="0"/>
+            </a:endParaRPr>
           </a:p>
         </p:txBody>
       </p:sp>
     </p:spTree>
     <p:extLst>
       <p:ext uri="{BB962C8B-B14F-4D97-AF65-F5344CB8AC3E}">
-        <p14:creationId xmlns:p14="http://schemas.microsoft.com/office/powerpoint/2010/main" val="2428261711"/>
+        <p14:creationId xmlns:p14="http://schemas.microsoft.com/office/powerpoint/2010/main" val="2490698841"/>
       </p:ext>
     </p:extLst>
   </p:cSld>

--- a/2020/docs/WG4.pptx
+++ b/2020/docs/WG4.pptx
@@ -8,7 +8,7 @@
     <p:notesMasterId r:id="rId14"/>
   </p:notesMasterIdLst>
   <p:sldIdLst>
-    <p:sldId id="481" r:id="rId2"/>
+    <p:sldId id="472" r:id="rId2"/>
     <p:sldId id="262" r:id="rId3"/>
     <p:sldId id="473" r:id="rId4"/>
     <p:sldId id="474" r:id="rId5"/>
@@ -3580,75 +3580,11 @@
           <a:bodyPr/>
           <a:lstStyle/>
           <a:p>
-            <a:pPr marL="0" marR="0" lvl="0" indent="0" algn="r" defTabSz="914400" rtl="0" eaLnBrk="1" fontAlgn="auto" latinLnBrk="0" hangingPunct="1">
-              <a:lnSpc>
-                <a:spcPct val="100000"/>
-              </a:lnSpc>
-              <a:spcBef>
-                <a:spcPts val="0"/>
-              </a:spcBef>
-              <a:spcAft>
-                <a:spcPts val="0"/>
-              </a:spcAft>
-              <a:buClrTx/>
-              <a:buSzTx/>
-              <a:buFontTx/>
-              <a:buNone/>
-              <a:tabLst/>
-              <a:defRPr/>
-            </a:pPr>
             <a:fld id="{EC278544-917A-4F56-8732-81D7A26640D0}" type="slidenum">
-              <a:rPr kumimoji="0" lang="zh-TW" altLang="en-US" sz="1200" b="0" i="0" u="none" strike="noStrike" kern="1200" cap="none" spc="0" normalizeH="0" baseline="0" noProof="0" smtClean="0">
-                <a:ln>
-                  <a:noFill/>
-                </a:ln>
-                <a:solidFill>
-                  <a:prstClr val="black">
-                    <a:tint val="75000"/>
-                  </a:prstClr>
-                </a:solidFill>
-                <a:effectLst/>
-                <a:uLnTx/>
-                <a:uFillTx/>
-                <a:latin typeface="Calibri"/>
-                <a:ea typeface="新細明體" panose="02020500000000000000" pitchFamily="18" charset="-120"/>
-                <a:cs typeface="+mn-cs"/>
-              </a:rPr>
-              <a:pPr marL="0" marR="0" lvl="0" indent="0" algn="r" defTabSz="914400" rtl="0" eaLnBrk="1" fontAlgn="auto" latinLnBrk="0" hangingPunct="1">
-                <a:lnSpc>
-                  <a:spcPct val="100000"/>
-                </a:lnSpc>
-                <a:spcBef>
-                  <a:spcPts val="0"/>
-                </a:spcBef>
-                <a:spcAft>
-                  <a:spcPts val="0"/>
-                </a:spcAft>
-                <a:buClrTx/>
-                <a:buSzTx/>
-                <a:buFontTx/>
-                <a:buNone/>
-                <a:tabLst/>
-                <a:defRPr/>
-              </a:pPr>
+              <a:rPr lang="zh-TW" altLang="en-US" smtClean="0"/>
               <a:t>1</a:t>
             </a:fld>
-            <a:endParaRPr kumimoji="0" lang="zh-TW" altLang="en-US" sz="1200" b="0" i="0" u="none" strike="noStrike" kern="1200" cap="none" spc="0" normalizeH="0" baseline="0" noProof="0">
-              <a:ln>
-                <a:noFill/>
-              </a:ln>
-              <a:solidFill>
-                <a:prstClr val="black">
-                  <a:tint val="75000"/>
-                </a:prstClr>
-              </a:solidFill>
-              <a:effectLst/>
-              <a:uLnTx/>
-              <a:uFillTx/>
-              <a:latin typeface="Calibri"/>
-              <a:ea typeface="新細明體" panose="02020500000000000000" pitchFamily="18" charset="-120"/>
-              <a:cs typeface="+mn-cs"/>
-            </a:endParaRPr>
+            <a:endParaRPr lang="zh-TW" altLang="en-US"/>
           </a:p>
         </p:txBody>
       </p:sp>
@@ -3895,34 +3831,8 @@
             </a:lvl9pPr>
           </a:lstStyle>
           <a:p>
-            <a:pPr marL="0" marR="0" lvl="0" indent="0" algn="ctr" defTabSz="914400" rtl="0" eaLnBrk="1" fontAlgn="auto" latinLnBrk="0" hangingPunct="1">
-              <a:lnSpc>
-                <a:spcPct val="90000"/>
-              </a:lnSpc>
-              <a:spcBef>
-                <a:spcPts val="1000"/>
-              </a:spcBef>
-              <a:spcAft>
-                <a:spcPts val="0"/>
-              </a:spcAft>
-              <a:buClrTx/>
-              <a:buSzTx/>
-              <a:buFont typeface="Arial" panose="020B0604020202020204" pitchFamily="34" charset="0"/>
-              <a:buNone/>
-              <a:tabLst/>
-              <a:defRPr/>
-            </a:pPr>
-            <a:r>
-              <a:rPr kumimoji="0" lang="zh-TW" altLang="en-US" sz="2100" b="0" i="0" u="none" strike="noStrike" kern="1200" cap="none" spc="0" normalizeH="0" baseline="0" noProof="0" dirty="0">
-                <a:ln>
-                  <a:noFill/>
-                </a:ln>
-                <a:solidFill>
-                  <a:prstClr val="black"/>
-                </a:solidFill>
-                <a:effectLst/>
-                <a:uLnTx/>
-                <a:uFillTx/>
+            <a:r>
+              <a:rPr lang="zh-TW" altLang="en-US" sz="2100" dirty="0">
                 <a:latin typeface="Times New Roman" panose="02020603050405020304" pitchFamily="18" charset="0"/>
                 <a:ea typeface="標楷體" panose="03000509000000000000" pitchFamily="65" charset="-120"/>
                 <a:cs typeface="Times New Roman" panose="02020603050405020304" pitchFamily="18" charset="0"/>
@@ -3930,16 +3840,7 @@
               <a:t>台北護理健康大學資訊管理系 </a:t>
             </a:r>
             <a:r>
-              <a:rPr kumimoji="0" lang="en-US" altLang="zh-TW" sz="2100" b="0" i="0" u="none" strike="noStrike" kern="1200" cap="none" spc="0" normalizeH="0" baseline="0" noProof="0" dirty="0">
-                <a:ln>
-                  <a:noFill/>
-                </a:ln>
-                <a:solidFill>
-                  <a:prstClr val="black"/>
-                </a:solidFill>
-                <a:effectLst/>
-                <a:uLnTx/>
-                <a:uFillTx/>
+              <a:rPr lang="en-US" altLang="zh-TW" sz="2100" dirty="0">
                 <a:latin typeface="Times New Roman" panose="02020603050405020304" pitchFamily="18" charset="0"/>
                 <a:ea typeface="標楷體" panose="03000509000000000000" pitchFamily="65" charset="-120"/>
                 <a:cs typeface="Times New Roman" panose="02020603050405020304" pitchFamily="18" charset="0"/>
@@ -3947,66 +3848,22 @@
               <a:t>-</a:t>
             </a:r>
             <a:r>
-              <a:rPr kumimoji="0" lang="zh-TW" altLang="en-US" sz="2100" b="0" i="0" u="none" strike="noStrike" kern="1200" cap="none" spc="0" normalizeH="0" baseline="0" noProof="0" dirty="0">
-                <a:ln>
-                  <a:noFill/>
-                </a:ln>
-                <a:solidFill>
-                  <a:prstClr val="black"/>
-                </a:solidFill>
-                <a:effectLst/>
-                <a:uLnTx/>
-                <a:uFillTx/>
+              <a:rPr lang="zh-TW" altLang="en-US" sz="2100" dirty="0">
                 <a:latin typeface="Times New Roman" panose="02020603050405020304" pitchFamily="18" charset="0"/>
                 <a:ea typeface="標楷體" panose="03000509000000000000" pitchFamily="65" charset="-120"/>
                 <a:cs typeface="Times New Roman" panose="02020603050405020304" pitchFamily="18" charset="0"/>
               </a:rPr>
               <a:t> 助理教授</a:t>
             </a:r>
-            <a:endParaRPr kumimoji="0" lang="en-US" altLang="zh-TW" sz="2100" b="0" i="0" u="none" strike="noStrike" kern="1200" cap="none" spc="0" normalizeH="0" baseline="0" noProof="0" dirty="0">
-              <a:ln>
-                <a:noFill/>
-              </a:ln>
-              <a:solidFill>
-                <a:prstClr val="black"/>
-              </a:solidFill>
-              <a:effectLst/>
-              <a:uLnTx/>
-              <a:uFillTx/>
+            <a:endParaRPr lang="en-US" altLang="zh-TW" sz="2100" dirty="0">
               <a:latin typeface="Times New Roman" panose="02020603050405020304" pitchFamily="18" charset="0"/>
               <a:ea typeface="標楷體" panose="03000509000000000000" pitchFamily="65" charset="-120"/>
               <a:cs typeface="Times New Roman" panose="02020603050405020304" pitchFamily="18" charset="0"/>
             </a:endParaRPr>
           </a:p>
           <a:p>
-            <a:pPr marL="0" marR="0" lvl="0" indent="0" algn="ctr" defTabSz="914400" rtl="0" eaLnBrk="1" fontAlgn="auto" latinLnBrk="0" hangingPunct="1">
-              <a:lnSpc>
-                <a:spcPct val="90000"/>
-              </a:lnSpc>
-              <a:spcBef>
-                <a:spcPts val="1000"/>
-              </a:spcBef>
-              <a:spcAft>
-                <a:spcPts val="0"/>
-              </a:spcAft>
-              <a:buClrTx/>
-              <a:buSzTx/>
-              <a:buFont typeface="Arial" panose="020B0604020202020204" pitchFamily="34" charset="0"/>
-              <a:buNone/>
-              <a:tabLst/>
-              <a:defRPr/>
-            </a:pPr>
-            <a:r>
-              <a:rPr kumimoji="0" lang="zh-TW" altLang="en-US" sz="2100" b="0" i="0" u="none" strike="noStrike" kern="1200" cap="none" spc="0" normalizeH="0" baseline="0" noProof="0" dirty="0">
-                <a:ln>
-                  <a:noFill/>
-                </a:ln>
-                <a:solidFill>
-                  <a:prstClr val="black"/>
-                </a:solidFill>
-                <a:effectLst/>
-                <a:uLnTx/>
-                <a:uFillTx/>
+            <a:r>
+              <a:rPr lang="zh-TW" altLang="en-US" sz="2100" dirty="0">
                 <a:latin typeface="Times New Roman" panose="02020603050405020304" pitchFamily="18" charset="0"/>
                 <a:ea typeface="標楷體" panose="03000509000000000000" pitchFamily="65" charset="-120"/>
                 <a:cs typeface="Times New Roman" panose="02020603050405020304" pitchFamily="18" charset="0"/>
@@ -4014,16 +3871,7 @@
               <a:t>台灣醫療影像資訊標準協會 </a:t>
             </a:r>
             <a:r>
-              <a:rPr kumimoji="0" lang="en-US" altLang="zh-TW" sz="2100" b="0" i="0" u="none" strike="noStrike" kern="1200" cap="none" spc="0" normalizeH="0" baseline="0" noProof="0" dirty="0">
-                <a:ln>
-                  <a:noFill/>
-                </a:ln>
-                <a:solidFill>
-                  <a:prstClr val="black"/>
-                </a:solidFill>
-                <a:effectLst/>
-                <a:uLnTx/>
-                <a:uFillTx/>
+              <a:rPr lang="en-US" altLang="zh-TW" sz="2100" dirty="0">
                 <a:latin typeface="Times New Roman" panose="02020603050405020304" pitchFamily="18" charset="0"/>
                 <a:ea typeface="標楷體" panose="03000509000000000000" pitchFamily="65" charset="-120"/>
                 <a:cs typeface="Times New Roman" panose="02020603050405020304" pitchFamily="18" charset="0"/>
@@ -4031,66 +3879,22 @@
               <a:t>- </a:t>
             </a:r>
             <a:r>
-              <a:rPr kumimoji="0" lang="zh-TW" altLang="en-US" sz="2100" b="0" i="0" u="none" strike="noStrike" kern="1200" cap="none" spc="0" normalizeH="0" baseline="0" noProof="0" dirty="0">
-                <a:ln>
-                  <a:noFill/>
-                </a:ln>
-                <a:solidFill>
-                  <a:prstClr val="black"/>
-                </a:solidFill>
-                <a:effectLst/>
-                <a:uLnTx/>
-                <a:uFillTx/>
+              <a:rPr lang="zh-TW" altLang="en-US" sz="2100" dirty="0">
                 <a:latin typeface="Times New Roman" panose="02020603050405020304" pitchFamily="18" charset="0"/>
                 <a:ea typeface="標楷體" panose="03000509000000000000" pitchFamily="65" charset="-120"/>
                 <a:cs typeface="Times New Roman" panose="02020603050405020304" pitchFamily="18" charset="0"/>
               </a:rPr>
               <a:t>秘書長</a:t>
             </a:r>
-            <a:endParaRPr kumimoji="0" lang="en-US" altLang="zh-TW" sz="2100" b="0" i="0" u="none" strike="noStrike" kern="1200" cap="none" spc="0" normalizeH="0" baseline="0" noProof="0" dirty="0">
-              <a:ln>
-                <a:noFill/>
-              </a:ln>
-              <a:solidFill>
-                <a:prstClr val="black"/>
-              </a:solidFill>
-              <a:effectLst/>
-              <a:uLnTx/>
-              <a:uFillTx/>
+            <a:endParaRPr lang="en-US" altLang="zh-TW" sz="2100" dirty="0">
               <a:latin typeface="Times New Roman" panose="02020603050405020304" pitchFamily="18" charset="0"/>
               <a:ea typeface="標楷體" panose="03000509000000000000" pitchFamily="65" charset="-120"/>
               <a:cs typeface="Times New Roman" panose="02020603050405020304" pitchFamily="18" charset="0"/>
             </a:endParaRPr>
           </a:p>
           <a:p>
-            <a:pPr marL="0" marR="0" lvl="0" indent="0" algn="ctr" defTabSz="914400" rtl="0" eaLnBrk="1" fontAlgn="auto" latinLnBrk="0" hangingPunct="1">
-              <a:lnSpc>
-                <a:spcPct val="90000"/>
-              </a:lnSpc>
-              <a:spcBef>
-                <a:spcPts val="1000"/>
-              </a:spcBef>
-              <a:spcAft>
-                <a:spcPts val="0"/>
-              </a:spcAft>
-              <a:buClrTx/>
-              <a:buSzTx/>
-              <a:buFont typeface="Arial" panose="020B0604020202020204" pitchFamily="34" charset="0"/>
-              <a:buNone/>
-              <a:tabLst/>
-              <a:defRPr/>
-            </a:pPr>
-            <a:r>
-              <a:rPr kumimoji="0" lang="zh-TW" altLang="en-US" sz="2100" b="0" i="0" u="none" strike="noStrike" kern="1200" cap="none" spc="0" normalizeH="0" baseline="0" noProof="0" dirty="0">
-                <a:ln>
-                  <a:noFill/>
-                </a:ln>
-                <a:solidFill>
-                  <a:prstClr val="black"/>
-                </a:solidFill>
-                <a:effectLst/>
-                <a:uLnTx/>
-                <a:uFillTx/>
+            <a:r>
+              <a:rPr lang="zh-TW" altLang="en-US" sz="2100" dirty="0">
                 <a:latin typeface="Times New Roman" panose="02020603050405020304" pitchFamily="18" charset="0"/>
                 <a:ea typeface="標楷體" panose="03000509000000000000" pitchFamily="65" charset="-120"/>
                 <a:cs typeface="Times New Roman" panose="02020603050405020304" pitchFamily="18" charset="0"/>
@@ -4098,16 +3902,7 @@
               <a:t>國際</a:t>
             </a:r>
             <a:r>
-              <a:rPr kumimoji="0" lang="en-US" altLang="zh-TW" sz="2100" b="0" i="0" u="none" strike="noStrike" kern="1200" cap="none" spc="0" normalizeH="0" baseline="0" noProof="0" dirty="0">
-                <a:ln>
-                  <a:noFill/>
-                </a:ln>
-                <a:solidFill>
-                  <a:prstClr val="black"/>
-                </a:solidFill>
-                <a:effectLst/>
-                <a:uLnTx/>
-                <a:uFillTx/>
+              <a:rPr lang="en-US" altLang="zh-TW" sz="2100" dirty="0">
                 <a:latin typeface="Times New Roman" panose="02020603050405020304" pitchFamily="18" charset="0"/>
                 <a:ea typeface="標楷體" panose="03000509000000000000" pitchFamily="65" charset="-120"/>
                 <a:cs typeface="Times New Roman" panose="02020603050405020304" pitchFamily="18" charset="0"/>
@@ -4115,16 +3910,7 @@
               <a:t>DICOM</a:t>
             </a:r>
             <a:r>
-              <a:rPr kumimoji="0" lang="zh-TW" altLang="en-US" sz="2100" b="0" i="0" u="none" strike="noStrike" kern="1200" cap="none" spc="0" normalizeH="0" baseline="0" noProof="0" dirty="0">
-                <a:ln>
-                  <a:noFill/>
-                </a:ln>
-                <a:solidFill>
-                  <a:prstClr val="black"/>
-                </a:solidFill>
-                <a:effectLst/>
-                <a:uLnTx/>
-                <a:uFillTx/>
+              <a:rPr lang="zh-TW" altLang="en-US" sz="2100" dirty="0">
                 <a:latin typeface="Times New Roman" panose="02020603050405020304" pitchFamily="18" charset="0"/>
                 <a:ea typeface="標楷體" panose="03000509000000000000" pitchFamily="65" charset="-120"/>
                 <a:cs typeface="Times New Roman" panose="02020603050405020304" pitchFamily="18" charset="0"/>
@@ -4132,16 +3918,7 @@
               <a:t>協會 </a:t>
             </a:r>
             <a:r>
-              <a:rPr kumimoji="0" lang="en-US" altLang="zh-TW" sz="2100" b="0" i="0" u="none" strike="noStrike" kern="1200" cap="none" spc="0" normalizeH="0" baseline="0" noProof="0" dirty="0">
-                <a:ln>
-                  <a:noFill/>
-                </a:ln>
-                <a:solidFill>
-                  <a:prstClr val="black"/>
-                </a:solidFill>
-                <a:effectLst/>
-                <a:uLnTx/>
-                <a:uFillTx/>
+              <a:rPr lang="en-US" altLang="zh-TW" sz="2100" dirty="0">
                 <a:latin typeface="Times New Roman" panose="02020603050405020304" pitchFamily="18" charset="0"/>
                 <a:ea typeface="標楷體" panose="03000509000000000000" pitchFamily="65" charset="-120"/>
                 <a:cs typeface="Times New Roman" panose="02020603050405020304" pitchFamily="18" charset="0"/>
@@ -4149,16 +3926,7 @@
               <a:t>- </a:t>
             </a:r>
             <a:r>
-              <a:rPr kumimoji="0" lang="zh-TW" altLang="en-US" sz="2100" b="0" i="0" u="none" strike="noStrike" kern="1200" cap="none" spc="0" normalizeH="0" baseline="0" noProof="0" dirty="0">
-                <a:ln>
-                  <a:noFill/>
-                </a:ln>
-                <a:solidFill>
-                  <a:prstClr val="black"/>
-                </a:solidFill>
-                <a:effectLst/>
-                <a:uLnTx/>
-                <a:uFillTx/>
+              <a:rPr lang="zh-TW" altLang="en-US" sz="2100" dirty="0">
                 <a:latin typeface="Times New Roman" panose="02020603050405020304" pitchFamily="18" charset="0"/>
                 <a:ea typeface="標楷體" panose="03000509000000000000" pitchFamily="65" charset="-120"/>
                 <a:cs typeface="Times New Roman" panose="02020603050405020304" pitchFamily="18" charset="0"/>
@@ -4167,66 +3935,14 @@
             </a:r>
           </a:p>
           <a:p>
-            <a:pPr marL="0" marR="0" lvl="0" indent="0" algn="ctr" defTabSz="914400" rtl="0" eaLnBrk="1" fontAlgn="auto" latinLnBrk="0" hangingPunct="1">
-              <a:lnSpc>
-                <a:spcPct val="90000"/>
-              </a:lnSpc>
-              <a:spcBef>
-                <a:spcPts val="1000"/>
-              </a:spcBef>
-              <a:spcAft>
-                <a:spcPts val="0"/>
-              </a:spcAft>
-              <a:buClrTx/>
-              <a:buSzTx/>
-              <a:buFont typeface="Arial" panose="020B0604020202020204" pitchFamily="34" charset="0"/>
-              <a:buNone/>
-              <a:tabLst/>
-              <a:defRPr/>
-            </a:pPr>
-            <a:endParaRPr kumimoji="0" lang="en-US" altLang="zh-TW" sz="2000" b="0" i="0" u="none" strike="noStrike" kern="1200" cap="none" spc="0" normalizeH="0" baseline="0" noProof="0" dirty="0">
-              <a:ln>
-                <a:noFill/>
-              </a:ln>
-              <a:solidFill>
-                <a:prstClr val="black"/>
-              </a:solidFill>
-              <a:effectLst/>
-              <a:uLnTx/>
-              <a:uFillTx/>
+            <a:endParaRPr lang="en-US" altLang="zh-TW" sz="2000" dirty="0">
               <a:latin typeface="Times New Roman" panose="02020603050405020304" pitchFamily="18" charset="0"/>
               <a:ea typeface="標楷體" panose="03000509000000000000" pitchFamily="65" charset="-120"/>
               <a:cs typeface="Times New Roman" panose="02020603050405020304" pitchFamily="18" charset="0"/>
             </a:endParaRPr>
           </a:p>
           <a:p>
-            <a:pPr marL="0" marR="0" lvl="0" indent="0" algn="ctr" defTabSz="914400" rtl="0" eaLnBrk="1" fontAlgn="auto" latinLnBrk="0" hangingPunct="1">
-              <a:lnSpc>
-                <a:spcPct val="90000"/>
-              </a:lnSpc>
-              <a:spcBef>
-                <a:spcPts val="1000"/>
-              </a:spcBef>
-              <a:spcAft>
-                <a:spcPts val="0"/>
-              </a:spcAft>
-              <a:buClrTx/>
-              <a:buSzTx/>
-              <a:buFont typeface="Arial" panose="020B0604020202020204" pitchFamily="34" charset="0"/>
-              <a:buNone/>
-              <a:tabLst/>
-              <a:defRPr/>
-            </a:pPr>
-            <a:endParaRPr kumimoji="0" lang="en-US" altLang="zh-TW" sz="2000" b="0" i="0" u="none" strike="noStrike" kern="1200" cap="none" spc="0" normalizeH="0" baseline="0" noProof="0" dirty="0">
-              <a:ln>
-                <a:noFill/>
-              </a:ln>
-              <a:solidFill>
-                <a:prstClr val="black"/>
-              </a:solidFill>
-              <a:effectLst/>
-              <a:uLnTx/>
-              <a:uFillTx/>
+            <a:endParaRPr lang="en-US" altLang="zh-TW" sz="2000" dirty="0">
               <a:latin typeface="Times New Roman" panose="02020603050405020304" pitchFamily="18" charset="0"/>
               <a:ea typeface="標楷體" panose="03000509000000000000" pitchFamily="65" charset="-120"/>
               <a:cs typeface="Times New Roman" panose="02020603050405020304" pitchFamily="18" charset="0"/>
@@ -4237,7 +3953,7 @@
     </p:spTree>
     <p:extLst>
       <p:ext uri="{BB962C8B-B14F-4D97-AF65-F5344CB8AC3E}">
-        <p14:creationId xmlns:p14="http://schemas.microsoft.com/office/powerpoint/2010/main" val="2490698841"/>
+        <p14:creationId xmlns:p14="http://schemas.microsoft.com/office/powerpoint/2010/main" val="2428261711"/>
       </p:ext>
     </p:extLst>
   </p:cSld>
@@ -4327,18 +4043,18 @@
         </p:nvSpPr>
         <p:spPr>
           <a:xfrm>
-            <a:off x="457200" y="1600200"/>
-            <a:ext cx="8229600" cy="4983162"/>
+            <a:off x="457200" y="1340768"/>
+            <a:ext cx="8229600" cy="5242594"/>
           </a:xfrm>
         </p:spPr>
         <p:txBody>
           <a:bodyPr>
-            <a:normAutofit fontScale="92500" lnSpcReduction="10000"/>
+            <a:normAutofit/>
           </a:bodyPr>
           <a:lstStyle/>
           <a:p>
             <a:r>
-              <a:rPr lang="zh-TW" altLang="zh-TW" b="1" dirty="0">
+              <a:rPr lang="zh-TW" altLang="zh-TW" sz="2400" b="1" dirty="0">
                 <a:latin typeface="Times New Roman" panose="02020603050405020304" pitchFamily="18" charset="0"/>
                 <a:ea typeface="標楷體" panose="03000509000000000000" pitchFamily="65" charset="-120"/>
                 <a:cs typeface="Times New Roman" panose="02020603050405020304" pitchFamily="18" charset="0"/>
@@ -4346,7 +4062,7 @@
               <a:t>測試情境</a:t>
             </a:r>
             <a:r>
-              <a:rPr lang="en-US" altLang="zh-TW" b="1" dirty="0">
+              <a:rPr lang="en-US" altLang="zh-TW" sz="2400" b="1" dirty="0">
                 <a:latin typeface="Times New Roman" panose="02020603050405020304" pitchFamily="18" charset="0"/>
                 <a:ea typeface="標楷體" panose="03000509000000000000" pitchFamily="65" charset="-120"/>
                 <a:cs typeface="Times New Roman" panose="02020603050405020304" pitchFamily="18" charset="0"/>
@@ -4354,7 +4070,7 @@
               <a:t>1: </a:t>
             </a:r>
             <a:r>
-              <a:rPr lang="zh-TW" altLang="zh-TW" b="1" dirty="0">
+              <a:rPr lang="zh-TW" altLang="zh-TW" sz="2400" b="1" dirty="0">
                 <a:latin typeface="Times New Roman" panose="02020603050405020304" pitchFamily="18" charset="0"/>
                 <a:ea typeface="標楷體" panose="03000509000000000000" pitchFamily="65" charset="-120"/>
                 <a:cs typeface="Times New Roman" panose="02020603050405020304" pitchFamily="18" charset="0"/>
@@ -4362,7 +4078,7 @@
               <a:t>傳統</a:t>
             </a:r>
             <a:r>
-              <a:rPr lang="en-US" altLang="zh-TW" b="1" dirty="0">
+              <a:rPr lang="en-US" altLang="zh-TW" sz="2400" b="1" dirty="0">
                 <a:latin typeface="Times New Roman" panose="02020603050405020304" pitchFamily="18" charset="0"/>
                 <a:ea typeface="標楷體" panose="03000509000000000000" pitchFamily="65" charset="-120"/>
                 <a:cs typeface="Times New Roman" panose="02020603050405020304" pitchFamily="18" charset="0"/>
@@ -4370,7 +4086,7 @@
               <a:t>DICOM Q/R (</a:t>
             </a:r>
             <a:r>
-              <a:rPr lang="zh-TW" altLang="en-US" b="1" dirty="0">
+              <a:rPr lang="zh-TW" altLang="en-US" sz="2400" b="1" dirty="0">
                 <a:latin typeface="Times New Roman" panose="02020603050405020304" pitchFamily="18" charset="0"/>
                 <a:ea typeface="標楷體" panose="03000509000000000000" pitchFamily="65" charset="-120"/>
                 <a:cs typeface="Times New Roman" panose="02020603050405020304" pitchFamily="18" charset="0"/>
@@ -4378,14 +4094,14 @@
               <a:t>待討論</a:t>
             </a:r>
             <a:r>
-              <a:rPr lang="en-US" altLang="zh-TW" b="1" dirty="0">
+              <a:rPr lang="en-US" altLang="zh-TW" sz="2400" b="1" dirty="0">
                 <a:latin typeface="Times New Roman" panose="02020603050405020304" pitchFamily="18" charset="0"/>
                 <a:ea typeface="標楷體" panose="03000509000000000000" pitchFamily="65" charset="-120"/>
                 <a:cs typeface="Times New Roman" panose="02020603050405020304" pitchFamily="18" charset="0"/>
               </a:rPr>
               <a:t>)</a:t>
             </a:r>
-            <a:endParaRPr lang="zh-TW" altLang="zh-TW" sz="2800" dirty="0">
+            <a:endParaRPr lang="zh-TW" altLang="zh-TW" sz="2000" dirty="0">
               <a:latin typeface="Times New Roman" panose="02020603050405020304" pitchFamily="18" charset="0"/>
               <a:ea typeface="標楷體" panose="03000509000000000000" pitchFamily="65" charset="-120"/>
               <a:cs typeface="Times New Roman" panose="02020603050405020304" pitchFamily="18" charset="0"/>
@@ -4394,7 +4110,7 @@
           <a:p>
             <a:pPr lvl="1"/>
             <a:r>
-              <a:rPr lang="zh-TW" altLang="zh-TW" dirty="0">
+              <a:rPr lang="zh-TW" altLang="zh-TW" sz="2000" dirty="0">
                 <a:latin typeface="Times New Roman" panose="02020603050405020304" pitchFamily="18" charset="0"/>
                 <a:ea typeface="標楷體" panose="03000509000000000000" pitchFamily="65" charset="-120"/>
                 <a:cs typeface="Times New Roman" panose="02020603050405020304" pitchFamily="18" charset="0"/>
@@ -4402,7 +4118,7 @@
               <a:t>使用傳統</a:t>
             </a:r>
             <a:r>
-              <a:rPr lang="en-US" altLang="zh-TW" dirty="0">
+              <a:rPr lang="en-US" altLang="zh-TW" sz="2000" dirty="0">
                 <a:latin typeface="Times New Roman" panose="02020603050405020304" pitchFamily="18" charset="0"/>
                 <a:ea typeface="標楷體" panose="03000509000000000000" pitchFamily="65" charset="-120"/>
                 <a:cs typeface="Times New Roman" panose="02020603050405020304" pitchFamily="18" charset="0"/>
@@ -4410,109 +4126,77 @@
               <a:t>DICOM Network</a:t>
             </a:r>
             <a:r>
-              <a:rPr lang="zh-TW" altLang="zh-TW" dirty="0">
+              <a:rPr lang="zh-TW" altLang="zh-TW" sz="2000" dirty="0">
                 <a:latin typeface="Times New Roman" panose="02020603050405020304" pitchFamily="18" charset="0"/>
                 <a:ea typeface="標楷體" panose="03000509000000000000" pitchFamily="65" charset="-120"/>
                 <a:cs typeface="Times New Roman" panose="02020603050405020304" pitchFamily="18" charset="0"/>
               </a:rPr>
               <a:t>查詢與調閱影像與標記</a:t>
             </a:r>
-            <a:endParaRPr lang="zh-TW" altLang="zh-TW" sz="2400" dirty="0">
+            <a:endParaRPr lang="en-US" altLang="zh-TW" sz="2000" dirty="0">
               <a:latin typeface="Times New Roman" panose="02020603050405020304" pitchFamily="18" charset="0"/>
               <a:ea typeface="標楷體" panose="03000509000000000000" pitchFamily="65" charset="-120"/>
               <a:cs typeface="Times New Roman" panose="02020603050405020304" pitchFamily="18" charset="0"/>
             </a:endParaRPr>
           </a:p>
           <a:p>
-            <a:r>
-              <a:rPr lang="en-US" altLang="zh-TW" b="1" dirty="0">
-                <a:latin typeface="Times New Roman" panose="02020603050405020304" pitchFamily="18" charset="0"/>
-                <a:ea typeface="標楷體" panose="03000509000000000000" pitchFamily="65" charset="-120"/>
-                <a:cs typeface="Times New Roman" panose="02020603050405020304" pitchFamily="18" charset="0"/>
-              </a:rPr>
-              <a:t> </a:t>
-            </a:r>
-            <a:r>
-              <a:rPr lang="zh-TW" altLang="zh-TW" b="1" dirty="0">
-                <a:latin typeface="Times New Roman" panose="02020603050405020304" pitchFamily="18" charset="0"/>
-                <a:ea typeface="標楷體" panose="03000509000000000000" pitchFamily="65" charset="-120"/>
-                <a:cs typeface="Times New Roman" panose="02020603050405020304" pitchFamily="18" charset="0"/>
-              </a:rPr>
-              <a:t>測試情境</a:t>
-            </a:r>
-            <a:r>
-              <a:rPr lang="en-US" altLang="zh-TW" b="1" dirty="0">
-                <a:latin typeface="Times New Roman" panose="02020603050405020304" pitchFamily="18" charset="0"/>
-                <a:ea typeface="標楷體" panose="03000509000000000000" pitchFamily="65" charset="-120"/>
-                <a:cs typeface="Times New Roman" panose="02020603050405020304" pitchFamily="18" charset="0"/>
-              </a:rPr>
-              <a:t>2: Web Access</a:t>
-            </a:r>
-            <a:endParaRPr lang="zh-TW" altLang="zh-TW" sz="2400" dirty="0">
+            <a:pPr lvl="1"/>
+            <a:r>
+              <a:rPr lang="zh-TW" altLang="en-US" sz="1800" dirty="0">
+                <a:latin typeface="Times New Roman" panose="02020603050405020304" pitchFamily="18" charset="0"/>
+                <a:ea typeface="標楷體" panose="03000509000000000000" pitchFamily="65" charset="-120"/>
+                <a:cs typeface="Times New Roman" panose="02020603050405020304" pitchFamily="18" charset="0"/>
+              </a:rPr>
+              <a:t>無法在</a:t>
+            </a:r>
+            <a:r>
+              <a:rPr lang="en-US" altLang="zh-TW" sz="1800" dirty="0">
+                <a:latin typeface="Times New Roman" panose="02020603050405020304" pitchFamily="18" charset="0"/>
+                <a:ea typeface="標楷體" panose="03000509000000000000" pitchFamily="65" charset="-120"/>
+                <a:cs typeface="Times New Roman" panose="02020603050405020304" pitchFamily="18" charset="0"/>
+              </a:rPr>
+              <a:t>Pre-Connectathon</a:t>
+            </a:r>
+            <a:r>
+              <a:rPr lang="zh-TW" altLang="en-US" sz="1800" dirty="0">
+                <a:latin typeface="Times New Roman" panose="02020603050405020304" pitchFamily="18" charset="0"/>
+                <a:ea typeface="標楷體" panose="03000509000000000000" pitchFamily="65" charset="-120"/>
+                <a:cs typeface="Times New Roman" panose="02020603050405020304" pitchFamily="18" charset="0"/>
+              </a:rPr>
+              <a:t>進行</a:t>
+            </a:r>
+            <a:endParaRPr lang="zh-TW" altLang="zh-TW" sz="1800" dirty="0">
               <a:latin typeface="Times New Roman" panose="02020603050405020304" pitchFamily="18" charset="0"/>
               <a:ea typeface="標楷體" panose="03000509000000000000" pitchFamily="65" charset="-120"/>
               <a:cs typeface="Times New Roman" panose="02020603050405020304" pitchFamily="18" charset="0"/>
             </a:endParaRPr>
           </a:p>
           <a:p>
-            <a:pPr lvl="1"/>
-            <a:r>
-              <a:rPr lang="zh-TW" altLang="zh-TW" dirty="0">
-                <a:latin typeface="Times New Roman" panose="02020603050405020304" pitchFamily="18" charset="0"/>
-                <a:ea typeface="標楷體" panose="03000509000000000000" pitchFamily="65" charset="-120"/>
-                <a:cs typeface="Times New Roman" panose="02020603050405020304" pitchFamily="18" charset="0"/>
-              </a:rPr>
-              <a:t>使用</a:t>
-            </a:r>
-            <a:r>
-              <a:rPr lang="en-US" altLang="zh-TW" dirty="0">
-                <a:latin typeface="Times New Roman" panose="02020603050405020304" pitchFamily="18" charset="0"/>
-                <a:ea typeface="標楷體" panose="03000509000000000000" pitchFamily="65" charset="-120"/>
-                <a:cs typeface="Times New Roman" panose="02020603050405020304" pitchFamily="18" charset="0"/>
-              </a:rPr>
-              <a:t>DICOMWeb</a:t>
-            </a:r>
-            <a:r>
-              <a:rPr lang="zh-TW" altLang="zh-TW" dirty="0">
-                <a:latin typeface="Times New Roman" panose="02020603050405020304" pitchFamily="18" charset="0"/>
-                <a:ea typeface="標楷體" panose="03000509000000000000" pitchFamily="65" charset="-120"/>
-                <a:cs typeface="Times New Roman" panose="02020603050405020304" pitchFamily="18" charset="0"/>
-              </a:rPr>
-              <a:t>階層式查詢方式查詢</a:t>
-            </a:r>
-            <a:r>
-              <a:rPr lang="en-US" altLang="zh-TW" dirty="0">
-                <a:latin typeface="Times New Roman" panose="02020603050405020304" pitchFamily="18" charset="0"/>
-                <a:ea typeface="標楷體" panose="03000509000000000000" pitchFamily="65" charset="-120"/>
-                <a:cs typeface="Times New Roman" panose="02020603050405020304" pitchFamily="18" charset="0"/>
-              </a:rPr>
-              <a:t>DICOMWeb</a:t>
-            </a:r>
-            <a:r>
-              <a:rPr lang="zh-TW" altLang="zh-TW" dirty="0">
-                <a:latin typeface="Times New Roman" panose="02020603050405020304" pitchFamily="18" charset="0"/>
-                <a:ea typeface="標楷體" panose="03000509000000000000" pitchFamily="65" charset="-120"/>
-                <a:cs typeface="Times New Roman" panose="02020603050405020304" pitchFamily="18" charset="0"/>
-              </a:rPr>
-              <a:t>主機，並依照</a:t>
-            </a:r>
-            <a:r>
-              <a:rPr lang="en-US" altLang="zh-TW" dirty="0">
-                <a:latin typeface="Times New Roman" panose="02020603050405020304" pitchFamily="18" charset="0"/>
-                <a:ea typeface="標楷體" panose="03000509000000000000" pitchFamily="65" charset="-120"/>
-                <a:cs typeface="Times New Roman" panose="02020603050405020304" pitchFamily="18" charset="0"/>
-              </a:rPr>
-              <a:t>DICOM</a:t>
-            </a:r>
-            <a:r>
-              <a:rPr lang="zh-TW" altLang="zh-TW" dirty="0">
-                <a:latin typeface="Times New Roman" panose="02020603050405020304" pitchFamily="18" charset="0"/>
-                <a:ea typeface="標楷體" panose="03000509000000000000" pitchFamily="65" charset="-120"/>
-                <a:cs typeface="Times New Roman" panose="02020603050405020304" pitchFamily="18" charset="0"/>
-              </a:rPr>
-              <a:t>階層式架構回傳結果</a:t>
-            </a:r>
-            <a:endParaRPr lang="zh-TW" altLang="zh-TW" sz="2400" dirty="0">
+            <a:r>
+              <a:rPr lang="en-US" altLang="zh-TW" sz="2400" b="1" dirty="0">
+                <a:latin typeface="Times New Roman" panose="02020603050405020304" pitchFamily="18" charset="0"/>
+                <a:ea typeface="標楷體" panose="03000509000000000000" pitchFamily="65" charset="-120"/>
+                <a:cs typeface="Times New Roman" panose="02020603050405020304" pitchFamily="18" charset="0"/>
+              </a:rPr>
+              <a:t> </a:t>
+            </a:r>
+            <a:r>
+              <a:rPr lang="zh-TW" altLang="zh-TW" sz="2400" b="1" dirty="0">
+                <a:latin typeface="Times New Roman" panose="02020603050405020304" pitchFamily="18" charset="0"/>
+                <a:ea typeface="標楷體" panose="03000509000000000000" pitchFamily="65" charset="-120"/>
+                <a:cs typeface="Times New Roman" panose="02020603050405020304" pitchFamily="18" charset="0"/>
+              </a:rPr>
+              <a:t>測試情境</a:t>
+            </a:r>
+            <a:r>
+              <a:rPr lang="en-US" altLang="zh-TW" sz="2400" b="1" dirty="0">
+                <a:latin typeface="Times New Roman" panose="02020603050405020304" pitchFamily="18" charset="0"/>
+                <a:ea typeface="標楷體" panose="03000509000000000000" pitchFamily="65" charset="-120"/>
+                <a:cs typeface="Times New Roman" panose="02020603050405020304" pitchFamily="18" charset="0"/>
+              </a:rPr>
+              <a:t>2: Web Access</a:t>
+            </a:r>
+            <a:endParaRPr lang="zh-TW" altLang="zh-TW" sz="1800" dirty="0">
               <a:latin typeface="Times New Roman" panose="02020603050405020304" pitchFamily="18" charset="0"/>
               <a:ea typeface="標楷體" panose="03000509000000000000" pitchFamily="65" charset="-120"/>
               <a:cs typeface="Times New Roman" panose="02020603050405020304" pitchFamily="18" charset="0"/>
@@ -4521,93 +4205,133 @@
           <a:p>
             <a:pPr lvl="1"/>
             <a:r>
-              <a:rPr lang="zh-TW" altLang="zh-TW" dirty="0">
-                <a:latin typeface="Times New Roman" panose="02020603050405020304" pitchFamily="18" charset="0"/>
-                <a:ea typeface="標楷體" panose="03000509000000000000" pitchFamily="65" charset="-120"/>
-                <a:cs typeface="Times New Roman" panose="02020603050405020304" pitchFamily="18" charset="0"/>
-              </a:rPr>
-              <a:t>調閱使用</a:t>
-            </a:r>
-            <a:r>
-              <a:rPr lang="en-US" altLang="zh-TW" dirty="0">
-                <a:latin typeface="Times New Roman" panose="02020603050405020304" pitchFamily="18" charset="0"/>
-                <a:ea typeface="標楷體" panose="03000509000000000000" pitchFamily="65" charset="-120"/>
-                <a:cs typeface="Times New Roman" panose="02020603050405020304" pitchFamily="18" charset="0"/>
-              </a:rPr>
-              <a:t>WADO-URI</a:t>
-            </a:r>
-            <a:r>
-              <a:rPr lang="zh-TW" altLang="zh-TW" dirty="0">
-                <a:latin typeface="Times New Roman" panose="02020603050405020304" pitchFamily="18" charset="0"/>
-                <a:ea typeface="標楷體" panose="03000509000000000000" pitchFamily="65" charset="-120"/>
-                <a:cs typeface="Times New Roman" panose="02020603050405020304" pitchFamily="18" charset="0"/>
-              </a:rPr>
-              <a:t>或</a:t>
-            </a:r>
-            <a:r>
-              <a:rPr lang="en-US" altLang="zh-TW" dirty="0">
-                <a:latin typeface="Times New Roman" panose="02020603050405020304" pitchFamily="18" charset="0"/>
-                <a:ea typeface="標楷體" panose="03000509000000000000" pitchFamily="65" charset="-120"/>
-                <a:cs typeface="Times New Roman" panose="02020603050405020304" pitchFamily="18" charset="0"/>
-              </a:rPr>
-              <a:t>WADO-RS</a:t>
-            </a:r>
-            <a:endParaRPr lang="zh-TW" altLang="zh-TW" sz="2400" dirty="0">
+              <a:rPr lang="zh-TW" altLang="zh-TW" sz="2000" dirty="0">
+                <a:latin typeface="Times New Roman" panose="02020603050405020304" pitchFamily="18" charset="0"/>
+                <a:ea typeface="標楷體" panose="03000509000000000000" pitchFamily="65" charset="-120"/>
+                <a:cs typeface="Times New Roman" panose="02020603050405020304" pitchFamily="18" charset="0"/>
+              </a:rPr>
+              <a:t>使用</a:t>
+            </a:r>
+            <a:r>
+              <a:rPr lang="en-US" altLang="zh-TW" sz="2000" dirty="0">
+                <a:latin typeface="Times New Roman" panose="02020603050405020304" pitchFamily="18" charset="0"/>
+                <a:ea typeface="標楷體" panose="03000509000000000000" pitchFamily="65" charset="-120"/>
+                <a:cs typeface="Times New Roman" panose="02020603050405020304" pitchFamily="18" charset="0"/>
+              </a:rPr>
+              <a:t>DICOMWeb</a:t>
+            </a:r>
+            <a:r>
+              <a:rPr lang="zh-TW" altLang="zh-TW" sz="2000" dirty="0">
+                <a:latin typeface="Times New Roman" panose="02020603050405020304" pitchFamily="18" charset="0"/>
+                <a:ea typeface="標楷體" panose="03000509000000000000" pitchFamily="65" charset="-120"/>
+                <a:cs typeface="Times New Roman" panose="02020603050405020304" pitchFamily="18" charset="0"/>
+              </a:rPr>
+              <a:t>階層式查詢方式查詢</a:t>
+            </a:r>
+            <a:r>
+              <a:rPr lang="en-US" altLang="zh-TW" sz="2000" dirty="0">
+                <a:latin typeface="Times New Roman" panose="02020603050405020304" pitchFamily="18" charset="0"/>
+                <a:ea typeface="標楷體" panose="03000509000000000000" pitchFamily="65" charset="-120"/>
+                <a:cs typeface="Times New Roman" panose="02020603050405020304" pitchFamily="18" charset="0"/>
+              </a:rPr>
+              <a:t>DICOMWeb</a:t>
+            </a:r>
+            <a:r>
+              <a:rPr lang="zh-TW" altLang="zh-TW" sz="2000" dirty="0">
+                <a:latin typeface="Times New Roman" panose="02020603050405020304" pitchFamily="18" charset="0"/>
+                <a:ea typeface="標楷體" panose="03000509000000000000" pitchFamily="65" charset="-120"/>
+                <a:cs typeface="Times New Roman" panose="02020603050405020304" pitchFamily="18" charset="0"/>
+              </a:rPr>
+              <a:t>主機，並依照</a:t>
+            </a:r>
+            <a:r>
+              <a:rPr lang="en-US" altLang="zh-TW" sz="2000" dirty="0">
+                <a:latin typeface="Times New Roman" panose="02020603050405020304" pitchFamily="18" charset="0"/>
+                <a:ea typeface="標楷體" panose="03000509000000000000" pitchFamily="65" charset="-120"/>
+                <a:cs typeface="Times New Roman" panose="02020603050405020304" pitchFamily="18" charset="0"/>
+              </a:rPr>
+              <a:t>DICOM</a:t>
+            </a:r>
+            <a:r>
+              <a:rPr lang="zh-TW" altLang="zh-TW" sz="2000" dirty="0">
+                <a:latin typeface="Times New Roman" panose="02020603050405020304" pitchFamily="18" charset="0"/>
+                <a:ea typeface="標楷體" panose="03000509000000000000" pitchFamily="65" charset="-120"/>
+                <a:cs typeface="Times New Roman" panose="02020603050405020304" pitchFamily="18" charset="0"/>
+              </a:rPr>
+              <a:t>階層式架構回傳結果</a:t>
+            </a:r>
+            <a:endParaRPr lang="zh-TW" altLang="zh-TW" sz="1800" dirty="0">
               <a:latin typeface="Times New Roman" panose="02020603050405020304" pitchFamily="18" charset="0"/>
               <a:ea typeface="標楷體" panose="03000509000000000000" pitchFamily="65" charset="-120"/>
               <a:cs typeface="Times New Roman" panose="02020603050405020304" pitchFamily="18" charset="0"/>
             </a:endParaRPr>
           </a:p>
           <a:p>
-            <a:r>
-              <a:rPr lang="en-US" altLang="zh-TW" b="1" dirty="0">
-                <a:latin typeface="Times New Roman" panose="02020603050405020304" pitchFamily="18" charset="0"/>
-                <a:ea typeface="標楷體" panose="03000509000000000000" pitchFamily="65" charset="-120"/>
-                <a:cs typeface="Times New Roman" panose="02020603050405020304" pitchFamily="18" charset="0"/>
-              </a:rPr>
-              <a:t> </a:t>
-            </a:r>
-            <a:r>
-              <a:rPr lang="zh-TW" altLang="zh-TW" b="1" dirty="0">
-                <a:latin typeface="Times New Roman" panose="02020603050405020304" pitchFamily="18" charset="0"/>
-                <a:ea typeface="標楷體" panose="03000509000000000000" pitchFamily="65" charset="-120"/>
-                <a:cs typeface="Times New Roman" panose="02020603050405020304" pitchFamily="18" charset="0"/>
-              </a:rPr>
-              <a:t>測試情境</a:t>
-            </a:r>
-            <a:r>
-              <a:rPr lang="en-US" altLang="zh-TW" b="1" dirty="0">
-                <a:latin typeface="Times New Roman" panose="02020603050405020304" pitchFamily="18" charset="0"/>
-                <a:ea typeface="標楷體" panose="03000509000000000000" pitchFamily="65" charset="-120"/>
-                <a:cs typeface="Times New Roman" panose="02020603050405020304" pitchFamily="18" charset="0"/>
-              </a:rPr>
-              <a:t>3: Integration with FHIR</a:t>
-            </a:r>
-            <a:endParaRPr lang="zh-TW" altLang="zh-TW" sz="2800" dirty="0">
+            <a:pPr lvl="1"/>
+            <a:r>
+              <a:rPr lang="zh-TW" altLang="zh-TW" sz="2000" dirty="0">
+                <a:latin typeface="Times New Roman" panose="02020603050405020304" pitchFamily="18" charset="0"/>
+                <a:ea typeface="標楷體" panose="03000509000000000000" pitchFamily="65" charset="-120"/>
+                <a:cs typeface="Times New Roman" panose="02020603050405020304" pitchFamily="18" charset="0"/>
+              </a:rPr>
+              <a:t>調閱使用</a:t>
+            </a:r>
+            <a:r>
+              <a:rPr lang="en-US" altLang="zh-TW" sz="2000" dirty="0">
+                <a:latin typeface="Times New Roman" panose="02020603050405020304" pitchFamily="18" charset="0"/>
+                <a:ea typeface="標楷體" panose="03000509000000000000" pitchFamily="65" charset="-120"/>
+                <a:cs typeface="Times New Roman" panose="02020603050405020304" pitchFamily="18" charset="0"/>
+              </a:rPr>
+              <a:t>WADO-URI</a:t>
+            </a:r>
+            <a:r>
+              <a:rPr lang="zh-TW" altLang="zh-TW" sz="2000" dirty="0">
+                <a:latin typeface="Times New Roman" panose="02020603050405020304" pitchFamily="18" charset="0"/>
+                <a:ea typeface="標楷體" panose="03000509000000000000" pitchFamily="65" charset="-120"/>
+                <a:cs typeface="Times New Roman" panose="02020603050405020304" pitchFamily="18" charset="0"/>
+              </a:rPr>
+              <a:t>或</a:t>
+            </a:r>
+            <a:r>
+              <a:rPr lang="en-US" altLang="zh-TW" sz="2000" dirty="0">
+                <a:latin typeface="Times New Roman" panose="02020603050405020304" pitchFamily="18" charset="0"/>
+                <a:ea typeface="標楷體" panose="03000509000000000000" pitchFamily="65" charset="-120"/>
+                <a:cs typeface="Times New Roman" panose="02020603050405020304" pitchFamily="18" charset="0"/>
+              </a:rPr>
+              <a:t>WADO-RS</a:t>
+            </a:r>
+            <a:endParaRPr lang="zh-TW" altLang="zh-TW" sz="1800" dirty="0">
               <a:latin typeface="Times New Roman" panose="02020603050405020304" pitchFamily="18" charset="0"/>
               <a:ea typeface="標楷體" panose="03000509000000000000" pitchFamily="65" charset="-120"/>
               <a:cs typeface="Times New Roman" panose="02020603050405020304" pitchFamily="18" charset="0"/>
             </a:endParaRPr>
           </a:p>
           <a:p>
-            <a:pPr lvl="1"/>
-            <a:r>
-              <a:rPr lang="zh-TW" altLang="zh-TW" dirty="0">
-                <a:latin typeface="Times New Roman" panose="02020603050405020304" pitchFamily="18" charset="0"/>
-                <a:ea typeface="標楷體" panose="03000509000000000000" pitchFamily="65" charset="-120"/>
-                <a:cs typeface="Times New Roman" panose="02020603050405020304" pitchFamily="18" charset="0"/>
-              </a:rPr>
-              <a:t>查詢</a:t>
-            </a:r>
-            <a:r>
-              <a:rPr lang="en-US" altLang="zh-TW" dirty="0">
-                <a:latin typeface="Times New Roman" panose="02020603050405020304" pitchFamily="18" charset="0"/>
-                <a:ea typeface="標楷體" panose="03000509000000000000" pitchFamily="65" charset="-120"/>
-                <a:cs typeface="Times New Roman" panose="02020603050405020304" pitchFamily="18" charset="0"/>
-              </a:rPr>
-              <a:t>FHIR ImagingStudy Resources</a:t>
-            </a:r>
-            <a:endParaRPr lang="zh-TW" altLang="zh-TW" sz="2400" dirty="0">
+            <a:r>
+              <a:rPr lang="en-US" altLang="zh-TW" sz="2400" b="1" dirty="0">
+                <a:latin typeface="Times New Roman" panose="02020603050405020304" pitchFamily="18" charset="0"/>
+                <a:ea typeface="標楷體" panose="03000509000000000000" pitchFamily="65" charset="-120"/>
+                <a:cs typeface="Times New Roman" panose="02020603050405020304" pitchFamily="18" charset="0"/>
+              </a:rPr>
+              <a:t> </a:t>
+            </a:r>
+            <a:r>
+              <a:rPr lang="zh-TW" altLang="zh-TW" sz="2400" b="1" dirty="0">
+                <a:latin typeface="Times New Roman" panose="02020603050405020304" pitchFamily="18" charset="0"/>
+                <a:ea typeface="標楷體" panose="03000509000000000000" pitchFamily="65" charset="-120"/>
+                <a:cs typeface="Times New Roman" panose="02020603050405020304" pitchFamily="18" charset="0"/>
+              </a:rPr>
+              <a:t>測試情境</a:t>
+            </a:r>
+            <a:r>
+              <a:rPr lang="en-US" altLang="zh-TW" sz="2400" b="1" dirty="0">
+                <a:latin typeface="Times New Roman" panose="02020603050405020304" pitchFamily="18" charset="0"/>
+                <a:ea typeface="標楷體" panose="03000509000000000000" pitchFamily="65" charset="-120"/>
+                <a:cs typeface="Times New Roman" panose="02020603050405020304" pitchFamily="18" charset="0"/>
+              </a:rPr>
+              <a:t>3: Integration with FHIR</a:t>
+            </a:r>
+            <a:endParaRPr lang="zh-TW" altLang="zh-TW" sz="2000" dirty="0">
               <a:latin typeface="Times New Roman" panose="02020603050405020304" pitchFamily="18" charset="0"/>
               <a:ea typeface="標楷體" panose="03000509000000000000" pitchFamily="65" charset="-120"/>
               <a:cs typeface="Times New Roman" panose="02020603050405020304" pitchFamily="18" charset="0"/>
@@ -4616,46 +4340,22 @@
           <a:p>
             <a:pPr lvl="1"/>
             <a:r>
-              <a:rPr lang="zh-TW" altLang="zh-TW" dirty="0">
-                <a:latin typeface="Times New Roman" panose="02020603050405020304" pitchFamily="18" charset="0"/>
-                <a:ea typeface="標楷體" panose="03000509000000000000" pitchFamily="65" charset="-120"/>
-                <a:cs typeface="Times New Roman" panose="02020603050405020304" pitchFamily="18" charset="0"/>
-              </a:rPr>
-              <a:t>使用</a:t>
-            </a:r>
-            <a:r>
-              <a:rPr lang="en-US" altLang="zh-TW" dirty="0">
-                <a:latin typeface="Times New Roman" panose="02020603050405020304" pitchFamily="18" charset="0"/>
-                <a:ea typeface="標楷體" panose="03000509000000000000" pitchFamily="65" charset="-120"/>
-                <a:cs typeface="Times New Roman" panose="02020603050405020304" pitchFamily="18" charset="0"/>
-              </a:rPr>
-              <a:t>WADO-URI</a:t>
-            </a:r>
-            <a:r>
-              <a:rPr lang="zh-TW" altLang="zh-TW" dirty="0">
-                <a:latin typeface="Times New Roman" panose="02020603050405020304" pitchFamily="18" charset="0"/>
-                <a:ea typeface="標楷體" panose="03000509000000000000" pitchFamily="65" charset="-120"/>
-                <a:cs typeface="Times New Roman" panose="02020603050405020304" pitchFamily="18" charset="0"/>
-              </a:rPr>
-              <a:t>或</a:t>
-            </a:r>
-            <a:r>
-              <a:rPr lang="en-US" altLang="zh-TW" dirty="0">
-                <a:latin typeface="Times New Roman" panose="02020603050405020304" pitchFamily="18" charset="0"/>
-                <a:ea typeface="標楷體" panose="03000509000000000000" pitchFamily="65" charset="-120"/>
-                <a:cs typeface="Times New Roman" panose="02020603050405020304" pitchFamily="18" charset="0"/>
-              </a:rPr>
-              <a:t>WADO-RS</a:t>
-            </a:r>
-            <a:r>
-              <a:rPr lang="zh-TW" altLang="zh-TW" dirty="0">
-                <a:latin typeface="Times New Roman" panose="02020603050405020304" pitchFamily="18" charset="0"/>
-                <a:ea typeface="標楷體" panose="03000509000000000000" pitchFamily="65" charset="-120"/>
-                <a:cs typeface="Times New Roman" panose="02020603050405020304" pitchFamily="18" charset="0"/>
-              </a:rPr>
-              <a:t>調閱影像以及標記</a:t>
-            </a:r>
-            <a:endParaRPr lang="zh-TW" altLang="zh-TW" sz="2400" dirty="0">
+              <a:rPr lang="zh-TW" altLang="zh-TW" sz="2000" dirty="0">
+                <a:latin typeface="Times New Roman" panose="02020603050405020304" pitchFamily="18" charset="0"/>
+                <a:ea typeface="標楷體" panose="03000509000000000000" pitchFamily="65" charset="-120"/>
+                <a:cs typeface="Times New Roman" panose="02020603050405020304" pitchFamily="18" charset="0"/>
+              </a:rPr>
+              <a:t>查詢</a:t>
+            </a:r>
+            <a:r>
+              <a:rPr lang="en-US" altLang="zh-TW" sz="2000" dirty="0">
+                <a:latin typeface="Times New Roman" panose="02020603050405020304" pitchFamily="18" charset="0"/>
+                <a:ea typeface="標楷體" panose="03000509000000000000" pitchFamily="65" charset="-120"/>
+                <a:cs typeface="Times New Roman" panose="02020603050405020304" pitchFamily="18" charset="0"/>
+              </a:rPr>
+              <a:t>FHIR ImagingStudy Resources</a:t>
+            </a:r>
+            <a:endParaRPr lang="zh-TW" altLang="zh-TW" sz="1800" dirty="0">
               <a:latin typeface="Times New Roman" panose="02020603050405020304" pitchFamily="18" charset="0"/>
               <a:ea typeface="標楷體" panose="03000509000000000000" pitchFamily="65" charset="-120"/>
               <a:cs typeface="Times New Roman" panose="02020603050405020304" pitchFamily="18" charset="0"/>
@@ -4664,7 +4364,55 @@
           <a:p>
             <a:pPr lvl="1"/>
             <a:r>
-              <a:rPr lang="zh-TW" altLang="zh-TW" dirty="0">
+              <a:rPr lang="zh-TW" altLang="zh-TW" sz="2000" dirty="0">
+                <a:latin typeface="Times New Roman" panose="02020603050405020304" pitchFamily="18" charset="0"/>
+                <a:ea typeface="標楷體" panose="03000509000000000000" pitchFamily="65" charset="-120"/>
+                <a:cs typeface="Times New Roman" panose="02020603050405020304" pitchFamily="18" charset="0"/>
+              </a:rPr>
+              <a:t>使用</a:t>
+            </a:r>
+            <a:r>
+              <a:rPr lang="en-US" altLang="zh-TW" sz="2000" dirty="0">
+                <a:latin typeface="Times New Roman" panose="02020603050405020304" pitchFamily="18" charset="0"/>
+                <a:ea typeface="標楷體" panose="03000509000000000000" pitchFamily="65" charset="-120"/>
+                <a:cs typeface="Times New Roman" panose="02020603050405020304" pitchFamily="18" charset="0"/>
+              </a:rPr>
+              <a:t>WADO-URI</a:t>
+            </a:r>
+            <a:r>
+              <a:rPr lang="zh-TW" altLang="zh-TW" sz="2000" dirty="0">
+                <a:latin typeface="Times New Roman" panose="02020603050405020304" pitchFamily="18" charset="0"/>
+                <a:ea typeface="標楷體" panose="03000509000000000000" pitchFamily="65" charset="-120"/>
+                <a:cs typeface="Times New Roman" panose="02020603050405020304" pitchFamily="18" charset="0"/>
+              </a:rPr>
+              <a:t>或</a:t>
+            </a:r>
+            <a:r>
+              <a:rPr lang="en-US" altLang="zh-TW" sz="2000" dirty="0">
+                <a:latin typeface="Times New Roman" panose="02020603050405020304" pitchFamily="18" charset="0"/>
+                <a:ea typeface="標楷體" panose="03000509000000000000" pitchFamily="65" charset="-120"/>
+                <a:cs typeface="Times New Roman" panose="02020603050405020304" pitchFamily="18" charset="0"/>
+              </a:rPr>
+              <a:t>WADO-RS</a:t>
+            </a:r>
+            <a:r>
+              <a:rPr lang="zh-TW" altLang="zh-TW" sz="2000" dirty="0">
+                <a:latin typeface="Times New Roman" panose="02020603050405020304" pitchFamily="18" charset="0"/>
+                <a:ea typeface="標楷體" panose="03000509000000000000" pitchFamily="65" charset="-120"/>
+                <a:cs typeface="Times New Roman" panose="02020603050405020304" pitchFamily="18" charset="0"/>
+              </a:rPr>
+              <a:t>調閱影像以及標記</a:t>
+            </a:r>
+            <a:endParaRPr lang="zh-TW" altLang="zh-TW" sz="1800" dirty="0">
+              <a:latin typeface="Times New Roman" panose="02020603050405020304" pitchFamily="18" charset="0"/>
+              <a:ea typeface="標楷體" panose="03000509000000000000" pitchFamily="65" charset="-120"/>
+              <a:cs typeface="Times New Roman" panose="02020603050405020304" pitchFamily="18" charset="0"/>
+            </a:endParaRPr>
+          </a:p>
+          <a:p>
+            <a:pPr lvl="1"/>
+            <a:r>
+              <a:rPr lang="zh-TW" altLang="zh-TW" sz="2000" dirty="0">
                 <a:latin typeface="Times New Roman" panose="02020603050405020304" pitchFamily="18" charset="0"/>
                 <a:ea typeface="標楷體" panose="03000509000000000000" pitchFamily="65" charset="-120"/>
                 <a:cs typeface="Times New Roman" panose="02020603050405020304" pitchFamily="18" charset="0"/>
@@ -4672,7 +4420,7 @@
               <a:t>或使用</a:t>
             </a:r>
             <a:r>
-              <a:rPr lang="en-US" altLang="zh-TW" dirty="0">
+              <a:rPr lang="en-US" altLang="zh-TW" sz="2000" dirty="0">
                 <a:latin typeface="Times New Roman" panose="02020603050405020304" pitchFamily="18" charset="0"/>
                 <a:ea typeface="標楷體" panose="03000509000000000000" pitchFamily="65" charset="-120"/>
                 <a:cs typeface="Times New Roman" panose="02020603050405020304" pitchFamily="18" charset="0"/>
@@ -4680,7 +4428,7 @@
               <a:t>FHIR REST API</a:t>
             </a:r>
             <a:r>
-              <a:rPr lang="zh-TW" altLang="zh-TW" dirty="0">
+              <a:rPr lang="zh-TW" altLang="zh-TW" sz="2000" dirty="0">
                 <a:latin typeface="Times New Roman" panose="02020603050405020304" pitchFamily="18" charset="0"/>
                 <a:ea typeface="標楷體" panose="03000509000000000000" pitchFamily="65" charset="-120"/>
                 <a:cs typeface="Times New Roman" panose="02020603050405020304" pitchFamily="18" charset="0"/>
@@ -4688,14 +4436,14 @@
               <a:t>調閱</a:t>
             </a:r>
             <a:r>
-              <a:rPr lang="en-US" altLang="zh-TW" dirty="0">
+              <a:rPr lang="en-US" altLang="zh-TW" sz="2000" dirty="0">
                 <a:latin typeface="Times New Roman" panose="02020603050405020304" pitchFamily="18" charset="0"/>
                 <a:ea typeface="標楷體" panose="03000509000000000000" pitchFamily="65" charset="-120"/>
                 <a:cs typeface="Times New Roman" panose="02020603050405020304" pitchFamily="18" charset="0"/>
               </a:rPr>
               <a:t>FHIR Observation SVG annotation</a:t>
             </a:r>
-            <a:endParaRPr lang="zh-TW" altLang="zh-TW" sz="2400" dirty="0">
+            <a:endParaRPr lang="zh-TW" altLang="zh-TW" sz="1800" dirty="0">
               <a:latin typeface="Times New Roman" panose="02020603050405020304" pitchFamily="18" charset="0"/>
               <a:ea typeface="標楷體" panose="03000509000000000000" pitchFamily="65" charset="-120"/>
               <a:cs typeface="Times New Roman" panose="02020603050405020304" pitchFamily="18" charset="0"/>
@@ -5948,7 +5696,7 @@
           <a:lstStyle/>
           <a:p>
             <a:r>
-              <a:rPr lang="zh-TW" altLang="en-US" dirty="0">
+              <a:rPr lang="zh-TW" altLang="en-US" sz="2800" dirty="0">
                 <a:latin typeface="Times New Roman" panose="02020603050405020304" pitchFamily="18" charset="0"/>
                 <a:ea typeface="標楷體" panose="03000509000000000000" pitchFamily="65" charset="-120"/>
                 <a:cs typeface="Times New Roman" panose="02020603050405020304" pitchFamily="18" charset="0"/>
@@ -5956,7 +5704,7 @@
               <a:t>醫院資訊系統</a:t>
             </a:r>
             <a:r>
-              <a:rPr lang="en-US" altLang="zh-TW" dirty="0">
+              <a:rPr lang="en-US" altLang="zh-TW" sz="2800" dirty="0">
                 <a:latin typeface="Times New Roman" panose="02020603050405020304" pitchFamily="18" charset="0"/>
                 <a:ea typeface="標楷體" panose="03000509000000000000" pitchFamily="65" charset="-120"/>
                 <a:cs typeface="Times New Roman" panose="02020603050405020304" pitchFamily="18" charset="0"/>
@@ -5966,7 +5714,7 @@
           </a:p>
           <a:p>
             <a:r>
-              <a:rPr lang="zh-TW" altLang="en-US" dirty="0">
+              <a:rPr lang="zh-TW" altLang="en-US" sz="2800" dirty="0">
                 <a:latin typeface="Times New Roman" panose="02020603050405020304" pitchFamily="18" charset="0"/>
                 <a:ea typeface="標楷體" panose="03000509000000000000" pitchFamily="65" charset="-120"/>
                 <a:cs typeface="Times New Roman" panose="02020603050405020304" pitchFamily="18" charset="0"/>
@@ -5974,7 +5722,7 @@
               <a:t>影像傳輸與管理系統</a:t>
             </a:r>
             <a:r>
-              <a:rPr lang="en-US" altLang="zh-TW" dirty="0">
+              <a:rPr lang="en-US" altLang="zh-TW" sz="2800" dirty="0">
                 <a:latin typeface="Times New Roman" panose="02020603050405020304" pitchFamily="18" charset="0"/>
                 <a:ea typeface="標楷體" panose="03000509000000000000" pitchFamily="65" charset="-120"/>
                 <a:cs typeface="Times New Roman" panose="02020603050405020304" pitchFamily="18" charset="0"/>
@@ -5984,14 +5732,14 @@
           </a:p>
           <a:p>
             <a:r>
-              <a:rPr lang="zh-TW" altLang="en-US" dirty="0">
+              <a:rPr lang="zh-TW" altLang="en-US" sz="2800" dirty="0">
                 <a:latin typeface="Times New Roman" panose="02020603050405020304" pitchFamily="18" charset="0"/>
                 <a:ea typeface="標楷體" panose="03000509000000000000" pitchFamily="65" charset="-120"/>
                 <a:cs typeface="Times New Roman" panose="02020603050405020304" pitchFamily="18" charset="0"/>
               </a:rPr>
               <a:t>儀器製造商</a:t>
             </a:r>
-            <a:endParaRPr lang="en-US" altLang="zh-TW" dirty="0">
+            <a:endParaRPr lang="en-US" altLang="zh-TW" sz="2800" dirty="0">
               <a:latin typeface="Times New Roman" panose="02020603050405020304" pitchFamily="18" charset="0"/>
               <a:ea typeface="標楷體" panose="03000509000000000000" pitchFamily="65" charset="-120"/>
               <a:cs typeface="Times New Roman" panose="02020603050405020304" pitchFamily="18" charset="0"/>
@@ -5999,7 +5747,7 @@
           </a:p>
           <a:p>
             <a:r>
-              <a:rPr lang="zh-TW" altLang="en-US" dirty="0">
+              <a:rPr lang="zh-TW" altLang="en-US" sz="2800" dirty="0">
                 <a:latin typeface="Times New Roman" panose="02020603050405020304" pitchFamily="18" charset="0"/>
                 <a:ea typeface="標楷體" panose="03000509000000000000" pitchFamily="65" charset="-120"/>
                 <a:cs typeface="Times New Roman" panose="02020603050405020304" pitchFamily="18" charset="0"/>
@@ -6007,7 +5755,7 @@
               <a:t>新創與醫學影像</a:t>
             </a:r>
             <a:r>
-              <a:rPr lang="en-US" altLang="zh-TW" dirty="0">
+              <a:rPr lang="en-US" altLang="zh-TW" sz="2800" dirty="0">
                 <a:latin typeface="Times New Roman" panose="02020603050405020304" pitchFamily="18" charset="0"/>
                 <a:ea typeface="標楷體" panose="03000509000000000000" pitchFamily="65" charset="-120"/>
                 <a:cs typeface="Times New Roman" panose="02020603050405020304" pitchFamily="18" charset="0"/>
@@ -6015,14 +5763,14 @@
               <a:t>AI</a:t>
             </a:r>
             <a:r>
-              <a:rPr lang="zh-TW" altLang="en-US" dirty="0">
+              <a:rPr lang="zh-TW" altLang="en-US" sz="2800" dirty="0">
                 <a:latin typeface="Times New Roman" panose="02020603050405020304" pitchFamily="18" charset="0"/>
                 <a:ea typeface="標楷體" panose="03000509000000000000" pitchFamily="65" charset="-120"/>
                 <a:cs typeface="Times New Roman" panose="02020603050405020304" pitchFamily="18" charset="0"/>
               </a:rPr>
               <a:t>公司</a:t>
             </a:r>
-            <a:endParaRPr lang="en-US" altLang="zh-TW" dirty="0">
+            <a:endParaRPr lang="en-US" altLang="zh-TW" sz="2800" dirty="0">
               <a:latin typeface="Times New Roman" panose="02020603050405020304" pitchFamily="18" charset="0"/>
               <a:ea typeface="標楷體" panose="03000509000000000000" pitchFamily="65" charset="-120"/>
               <a:cs typeface="Times New Roman" panose="02020603050405020304" pitchFamily="18" charset="0"/>
@@ -6030,7 +5778,7 @@
           </a:p>
           <a:p>
             <a:r>
-              <a:rPr lang="zh-TW" altLang="en-US" dirty="0">
+              <a:rPr lang="zh-TW" altLang="en-US" sz="2800" dirty="0">
                 <a:latin typeface="Times New Roman" panose="02020603050405020304" pitchFamily="18" charset="0"/>
                 <a:ea typeface="標楷體" panose="03000509000000000000" pitchFamily="65" charset="-120"/>
                 <a:cs typeface="Times New Roman" panose="02020603050405020304" pitchFamily="18" charset="0"/>
@@ -6038,7 +5786,7 @@
               <a:t>造影儀器商</a:t>
             </a:r>
             <a:r>
-              <a:rPr lang="en-US" altLang="zh-TW" dirty="0">
+              <a:rPr lang="en-US" altLang="zh-TW" sz="2800" dirty="0">
                 <a:latin typeface="Times New Roman" panose="02020603050405020304" pitchFamily="18" charset="0"/>
                 <a:ea typeface="標楷體" panose="03000509000000000000" pitchFamily="65" charset="-120"/>
                 <a:cs typeface="Times New Roman" panose="02020603050405020304" pitchFamily="18" charset="0"/>
@@ -6046,7 +5794,7 @@
               <a:t>(</a:t>
             </a:r>
             <a:r>
-              <a:rPr lang="zh-TW" altLang="en-US" dirty="0">
+              <a:rPr lang="zh-TW" altLang="en-US" sz="2800" dirty="0">
                 <a:latin typeface="Times New Roman" panose="02020603050405020304" pitchFamily="18" charset="0"/>
                 <a:ea typeface="標楷體" panose="03000509000000000000" pitchFamily="65" charset="-120"/>
                 <a:cs typeface="Times New Roman" panose="02020603050405020304" pitchFamily="18" charset="0"/>
@@ -6054,7 +5802,7 @@
               <a:t>影像產生者</a:t>
             </a:r>
             <a:r>
-              <a:rPr lang="en-US" altLang="zh-TW" dirty="0">
+              <a:rPr lang="en-US" altLang="zh-TW" sz="2800" dirty="0">
                 <a:latin typeface="Times New Roman" panose="02020603050405020304" pitchFamily="18" charset="0"/>
                 <a:ea typeface="標楷體" panose="03000509000000000000" pitchFamily="65" charset="-120"/>
                 <a:cs typeface="Times New Roman" panose="02020603050405020304" pitchFamily="18" charset="0"/>
@@ -6064,14 +5812,14 @@
           </a:p>
           <a:p>
             <a:r>
-              <a:rPr lang="zh-TW" altLang="en-US" dirty="0">
+              <a:rPr lang="zh-TW" altLang="en-US" sz="2800" dirty="0">
                 <a:latin typeface="Times New Roman" panose="02020603050405020304" pitchFamily="18" charset="0"/>
                 <a:ea typeface="標楷體" panose="03000509000000000000" pitchFamily="65" charset="-120"/>
                 <a:cs typeface="Times New Roman" panose="02020603050405020304" pitchFamily="18" charset="0"/>
               </a:rPr>
               <a:t>影像檢視</a:t>
             </a:r>
-            <a:endParaRPr lang="en-US" altLang="zh-TW" dirty="0">
+            <a:endParaRPr lang="en-US" altLang="zh-TW" sz="2800" dirty="0">
               <a:latin typeface="Times New Roman" panose="02020603050405020304" pitchFamily="18" charset="0"/>
               <a:ea typeface="標楷體" panose="03000509000000000000" pitchFamily="65" charset="-120"/>
               <a:cs typeface="Times New Roman" panose="02020603050405020304" pitchFamily="18" charset="0"/>
@@ -6079,14 +5827,14 @@
           </a:p>
           <a:p>
             <a:r>
-              <a:rPr lang="zh-TW" altLang="en-US" sz="2400" dirty="0">
+              <a:rPr lang="zh-TW" altLang="en-US" sz="2800" dirty="0">
                 <a:latin typeface="Times New Roman" panose="02020603050405020304" pitchFamily="18" charset="0"/>
                 <a:ea typeface="標楷體" panose="03000509000000000000" pitchFamily="65" charset="-120"/>
                 <a:cs typeface="Times New Roman" panose="02020603050405020304" pitchFamily="18" charset="0"/>
               </a:rPr>
               <a:t>醫療機構資訊室</a:t>
             </a:r>
-            <a:endParaRPr lang="en-US" altLang="zh-TW" sz="2400" dirty="0">
+            <a:endParaRPr lang="en-US" altLang="zh-TW" sz="2800" dirty="0">
               <a:latin typeface="Times New Roman" panose="02020603050405020304" pitchFamily="18" charset="0"/>
               <a:ea typeface="標楷體" panose="03000509000000000000" pitchFamily="65" charset="-120"/>
               <a:cs typeface="Times New Roman" panose="02020603050405020304" pitchFamily="18" charset="0"/>
@@ -6094,14 +5842,14 @@
           </a:p>
           <a:p>
             <a:r>
-              <a:rPr lang="zh-TW" altLang="en-US" sz="2400" dirty="0">
+              <a:rPr lang="zh-TW" altLang="en-US" sz="2800" dirty="0">
                 <a:latin typeface="Times New Roman" panose="02020603050405020304" pitchFamily="18" charset="0"/>
                 <a:ea typeface="標楷體" panose="03000509000000000000" pitchFamily="65" charset="-120"/>
                 <a:cs typeface="Times New Roman" panose="02020603050405020304" pitchFamily="18" charset="0"/>
               </a:rPr>
               <a:t>學術機構</a:t>
             </a:r>
-            <a:endParaRPr lang="en-US" altLang="zh-TW" sz="2400" dirty="0">
+            <a:endParaRPr lang="en-US" altLang="zh-TW" sz="2800" dirty="0">
               <a:latin typeface="Times New Roman" panose="02020603050405020304" pitchFamily="18" charset="0"/>
               <a:ea typeface="標楷體" panose="03000509000000000000" pitchFamily="65" charset="-120"/>
               <a:cs typeface="Times New Roman" panose="02020603050405020304" pitchFamily="18" charset="0"/>
@@ -6109,7 +5857,7 @@
           </a:p>
           <a:p>
             <a:r>
-              <a:rPr lang="en-US" altLang="zh-TW" sz="2400" dirty="0">
+              <a:rPr lang="en-US" altLang="zh-TW" sz="2800" dirty="0">
                 <a:latin typeface="Times New Roman" panose="02020603050405020304" pitchFamily="18" charset="0"/>
                 <a:ea typeface="標楷體" panose="03000509000000000000" pitchFamily="65" charset="-120"/>
                 <a:cs typeface="Times New Roman" panose="02020603050405020304" pitchFamily="18" charset="0"/>
@@ -6450,7 +6198,7 @@
                 <a:ea typeface="標楷體" panose="03000509000000000000" pitchFamily="65" charset="-120"/>
                 <a:cs typeface="Times New Roman" panose="02020603050405020304" pitchFamily="18" charset="0"/>
               </a:rPr>
-              <a:t>DICOM Query: C-FIND (Optional - </a:t>
+              <a:t>DICOM Query: C-FIND (</a:t>
             </a:r>
             <a:r>
               <a:rPr lang="zh-TW" altLang="en-US" u="sng" dirty="0">
@@ -6593,7 +6341,7 @@
                 <a:ea typeface="標楷體" panose="03000509000000000000" pitchFamily="65" charset="-120"/>
                 <a:cs typeface="Times New Roman" panose="02020603050405020304" pitchFamily="18" charset="0"/>
               </a:rPr>
-              <a:t>(Optional - </a:t>
+              <a:t>(</a:t>
             </a:r>
             <a:r>
               <a:rPr lang="zh-TW" altLang="en-US" sz="2000" u="sng" dirty="0">
@@ -8395,21 +8143,16 @@
                 <a:ea typeface="標楷體" panose="03000509000000000000" pitchFamily="65" charset="-120"/>
                 <a:cs typeface="Times New Roman" panose="02020603050405020304" pitchFamily="18" charset="0"/>
               </a:rPr>
-              <a:t> Class -</a:t>
-            </a:r>
-            <a:r>
-              <a:rPr lang="zh-TW" altLang="zh-TW" b="1" dirty="0">
-                <a:latin typeface="Times New Roman" panose="02020603050405020304" pitchFamily="18" charset="0"/>
-                <a:ea typeface="標楷體" panose="03000509000000000000" pitchFamily="65" charset="-120"/>
-                <a:cs typeface="Times New Roman" panose="02020603050405020304" pitchFamily="18" charset="0"/>
-              </a:rPr>
-              <a:t>標記</a:t>
-            </a:r>
-            <a:endParaRPr lang="zh-TW" altLang="en-US" b="1" dirty="0">
-              <a:latin typeface="Times New Roman" panose="02020603050405020304" pitchFamily="18" charset="0"/>
-              <a:ea typeface="標楷體" panose="03000509000000000000" pitchFamily="65" charset="-120"/>
-              <a:cs typeface="Times New Roman" panose="02020603050405020304" pitchFamily="18" charset="0"/>
-            </a:endParaRPr>
+              <a:t> Class –</a:t>
+            </a:r>
+            <a:r>
+              <a:rPr lang="zh-TW" altLang="en-US" b="1" dirty="0">
+                <a:latin typeface="Times New Roman" panose="02020603050405020304" pitchFamily="18" charset="0"/>
+                <a:ea typeface="標楷體" panose="03000509000000000000" pitchFamily="65" charset="-120"/>
+                <a:cs typeface="Times New Roman" panose="02020603050405020304" pitchFamily="18" charset="0"/>
+              </a:rPr>
+              <a:t>影像</a:t>
+            </a:r>
           </a:p>
         </p:txBody>
       </p:sp>
@@ -9455,7 +9198,7 @@
                 <a:ea typeface="標楷體" panose="03000509000000000000" pitchFamily="65" charset="-120"/>
                 <a:cs typeface="Times New Roman" panose="02020603050405020304" pitchFamily="18" charset="0"/>
               </a:rPr>
-              <a:t>影像壓縮</a:t>
+              <a:t>標記</a:t>
             </a:r>
             <a:endParaRPr lang="zh-TW" altLang="en-US" dirty="0">
               <a:latin typeface="Times New Roman" panose="02020603050405020304" pitchFamily="18" charset="0"/>
